--- a/Presentation/Flora/Presentation on Decentralized Exchange.pptx
+++ b/Presentation/Flora/Presentation on Decentralized Exchange.pptx
@@ -5,39 +5,45 @@
     <p:sldMasterId id="2147483659" r:id="rId1"/>
   </p:sldMasterIdLst>
   <p:notesMasterIdLst>
-    <p:notesMasterId r:id="rId15"/>
+    <p:notesMasterId r:id="rId21"/>
   </p:notesMasterIdLst>
   <p:sldIdLst>
     <p:sldId id="256" r:id="rId2"/>
     <p:sldId id="258" r:id="rId3"/>
-    <p:sldId id="275" r:id="rId4"/>
-    <p:sldId id="265" r:id="rId5"/>
-    <p:sldId id="278" r:id="rId6"/>
-    <p:sldId id="277" r:id="rId7"/>
-    <p:sldId id="279" r:id="rId8"/>
-    <p:sldId id="280" r:id="rId9"/>
-    <p:sldId id="281" r:id="rId10"/>
-    <p:sldId id="266" r:id="rId11"/>
-    <p:sldId id="274" r:id="rId12"/>
-    <p:sldId id="276" r:id="rId13"/>
-    <p:sldId id="267" r:id="rId14"/>
+    <p:sldId id="282" r:id="rId4"/>
+    <p:sldId id="283" r:id="rId5"/>
+    <p:sldId id="265" r:id="rId6"/>
+    <p:sldId id="278" r:id="rId7"/>
+    <p:sldId id="277" r:id="rId8"/>
+    <p:sldId id="275" r:id="rId9"/>
+    <p:sldId id="284" r:id="rId10"/>
+    <p:sldId id="285" r:id="rId11"/>
+    <p:sldId id="286" r:id="rId12"/>
+    <p:sldId id="287" r:id="rId13"/>
+    <p:sldId id="279" r:id="rId14"/>
+    <p:sldId id="280" r:id="rId15"/>
+    <p:sldId id="281" r:id="rId16"/>
+    <p:sldId id="266" r:id="rId17"/>
+    <p:sldId id="274" r:id="rId18"/>
+    <p:sldId id="276" r:id="rId19"/>
+    <p:sldId id="267" r:id="rId20"/>
   </p:sldIdLst>
   <p:sldSz cx="9144000" cy="5143500" type="screen16x9"/>
   <p:notesSz cx="6858000" cy="9144000"/>
   <p:embeddedFontLst>
     <p:embeddedFont>
       <p:font typeface="Lato" panose="020F0502020204030203" pitchFamily="34" charset="0"/>
-      <p:regular r:id="rId16"/>
-      <p:bold r:id="rId17"/>
-      <p:italic r:id="rId18"/>
-      <p:boldItalic r:id="rId19"/>
+      <p:regular r:id="rId22"/>
+      <p:bold r:id="rId23"/>
+      <p:italic r:id="rId24"/>
+      <p:boldItalic r:id="rId25"/>
     </p:embeddedFont>
     <p:embeddedFont>
       <p:font typeface="Raleway" pitchFamily="2" charset="0"/>
-      <p:regular r:id="rId20"/>
-      <p:bold r:id="rId21"/>
-      <p:italic r:id="rId22"/>
-      <p:boldItalic r:id="rId23"/>
+      <p:regular r:id="rId26"/>
+      <p:bold r:id="rId27"/>
+      <p:italic r:id="rId28"/>
+      <p:boldItalic r:id="rId29"/>
     </p:embeddedFont>
   </p:embeddedFontLst>
   <p:defaultTextStyle>
@@ -7418,7 +7424,7 @@
           <p:cNvPr id="2" name="Title 1">
             <a:extLst>
               <a:ext uri="{FF2B5EF4-FFF2-40B4-BE49-F238E27FC236}">
-                <a16:creationId xmlns:a16="http://schemas.microsoft.com/office/drawing/2014/main" id="{2F9E81C8-76C3-EC59-3FC0-EE59F566AFD2}"/>
+                <a16:creationId xmlns:a16="http://schemas.microsoft.com/office/drawing/2014/main" id="{AA5AFAC9-695D-4775-18FC-F93B8CD70486}"/>
               </a:ext>
             </a:extLst>
           </p:cNvPr>
@@ -7438,7 +7444,7 @@
           <a:p>
             <a:r>
               <a:rPr lang="en-AU" dirty="0"/>
-              <a:t>FUTURE WORK - DEBUGGING</a:t>
+              <a:t>Deprecated Code</a:t>
             </a:r>
           </a:p>
         </p:txBody>
@@ -7448,7 +7454,7 @@
           <p:cNvPr id="3" name="Text Placeholder 2">
             <a:extLst>
               <a:ext uri="{FF2B5EF4-FFF2-40B4-BE49-F238E27FC236}">
-                <a16:creationId xmlns:a16="http://schemas.microsoft.com/office/drawing/2014/main" id="{B969BF3E-323B-7ABE-17B4-01A5FFC04684}"/>
+                <a16:creationId xmlns:a16="http://schemas.microsoft.com/office/drawing/2014/main" id="{C9952CE4-68B7-9B21-4523-2C79EA51D40D}"/>
               </a:ext>
             </a:extLst>
           </p:cNvPr>
@@ -7464,44 +7470,47 @@
           <a:bodyPr/>
           <a:lstStyle/>
           <a:p>
-            <a:pPr>
-              <a:lnSpc>
-                <a:spcPct val="200000"/>
-              </a:lnSpc>
+            <a:pPr marL="146050" indent="0">
+              <a:buNone/>
             </a:pPr>
-            <a:r>
-              <a:rPr lang="en-AU" b="1" dirty="0"/>
-              <a:t>Order partial fulfilment </a:t>
-            </a:r>
-          </a:p>
-          <a:p>
-            <a:pPr lvl="1">
-              <a:lnSpc>
-                <a:spcPct val="200000"/>
-              </a:lnSpc>
-            </a:pPr>
-            <a:r>
-              <a:rPr lang="en-AU" dirty="0"/>
-              <a:t>CASE 1: buy 5@100                      sell 4@100                      ERROR</a:t>
-            </a:r>
-          </a:p>
-          <a:p>
-            <a:pPr lvl="1">
-              <a:lnSpc>
-                <a:spcPct val="200000"/>
-              </a:lnSpc>
-            </a:pPr>
-            <a:r>
-              <a:rPr lang="en-AU" dirty="0"/>
-              <a:t>CASE 2: buy 4@100                      sell 5@100                      WORKING WELL</a:t>
-            </a:r>
+            <a:endParaRPr lang="en-AU" dirty="0"/>
           </a:p>
         </p:txBody>
       </p:sp>
+      <p:pic>
+        <p:nvPicPr>
+          <p:cNvPr id="5" name="Picture 4" descr="Text&#10;&#10;Description automatically generated">
+            <a:extLst>
+              <a:ext uri="{FF2B5EF4-FFF2-40B4-BE49-F238E27FC236}">
+                <a16:creationId xmlns:a16="http://schemas.microsoft.com/office/drawing/2014/main" id="{84F65B15-5CE0-9ED1-89D8-0CC2384677CE}"/>
+              </a:ext>
+            </a:extLst>
+          </p:cNvPr>
+          <p:cNvPicPr>
+            <a:picLocks noChangeAspect="1"/>
+          </p:cNvPicPr>
+          <p:nvPr/>
+        </p:nvPicPr>
+        <p:blipFill>
+          <a:blip r:embed="rId2"/>
+          <a:stretch>
+            <a:fillRect/>
+          </a:stretch>
+        </p:blipFill>
+        <p:spPr>
+          <a:xfrm>
+            <a:off x="725850" y="1914309"/>
+            <a:ext cx="6073698" cy="2750684"/>
+          </a:xfrm>
+          <a:prstGeom prst="rect">
+            <a:avLst/>
+          </a:prstGeom>
+        </p:spPr>
+      </p:pic>
     </p:spTree>
     <p:extLst>
       <p:ext uri="{BB962C8B-B14F-4D97-AF65-F5344CB8AC3E}">
-        <p14:creationId xmlns:p14="http://schemas.microsoft.com/office/powerpoint/2010/main" val="4205947895"/>
+        <p14:creationId xmlns:p14="http://schemas.microsoft.com/office/powerpoint/2010/main" val="2652418518"/>
       </p:ext>
     </p:extLst>
   </p:cSld>
@@ -7512,6 +7521,242 @@
 </file>
 
 <file path=ppt/slides/slide11.xml><?xml version="1.0" encoding="utf-8"?>
+<p:sld xmlns:a="http://schemas.openxmlformats.org/drawingml/2006/main" xmlns:r="http://schemas.openxmlformats.org/officeDocument/2006/relationships" xmlns:p="http://schemas.openxmlformats.org/presentationml/2006/main">
+  <p:cSld>
+    <p:spTree>
+      <p:nvGrpSpPr>
+        <p:cNvPr id="1" name=""/>
+        <p:cNvGrpSpPr/>
+        <p:nvPr/>
+      </p:nvGrpSpPr>
+      <p:grpSpPr>
+        <a:xfrm>
+          <a:off x="0" y="0"/>
+          <a:ext cx="0" cy="0"/>
+          <a:chOff x="0" y="0"/>
+          <a:chExt cx="0" cy="0"/>
+        </a:xfrm>
+      </p:grpSpPr>
+      <p:sp>
+        <p:nvSpPr>
+          <p:cNvPr id="2" name="Title 1">
+            <a:extLst>
+              <a:ext uri="{FF2B5EF4-FFF2-40B4-BE49-F238E27FC236}">
+                <a16:creationId xmlns:a16="http://schemas.microsoft.com/office/drawing/2014/main" id="{D8D69B20-5915-60EC-DC43-188917F711A2}"/>
+              </a:ext>
+            </a:extLst>
+          </p:cNvPr>
+          <p:cNvSpPr>
+            <a:spLocks noGrp="1"/>
+          </p:cNvSpPr>
+          <p:nvPr>
+            <p:ph type="title"/>
+          </p:nvPr>
+        </p:nvSpPr>
+        <p:spPr/>
+        <p:txBody>
+          <a:bodyPr>
+            <a:normAutofit fontScale="90000"/>
+          </a:bodyPr>
+          <a:lstStyle/>
+          <a:p>
+            <a:r>
+              <a:rPr lang="en-AU" dirty="0"/>
+              <a:t>Function Declaration</a:t>
+            </a:r>
+          </a:p>
+        </p:txBody>
+      </p:sp>
+      <p:sp>
+        <p:nvSpPr>
+          <p:cNvPr id="3" name="Text Placeholder 2">
+            <a:extLst>
+              <a:ext uri="{FF2B5EF4-FFF2-40B4-BE49-F238E27FC236}">
+                <a16:creationId xmlns:a16="http://schemas.microsoft.com/office/drawing/2014/main" id="{AE50B439-D4F0-81A0-6C7E-69BB6D5E0C7F}"/>
+              </a:ext>
+            </a:extLst>
+          </p:cNvPr>
+          <p:cNvSpPr>
+            <a:spLocks noGrp="1"/>
+          </p:cNvSpPr>
+          <p:nvPr>
+            <p:ph type="body" idx="1"/>
+          </p:nvPr>
+        </p:nvSpPr>
+        <p:spPr/>
+        <p:txBody>
+          <a:bodyPr/>
+          <a:lstStyle/>
+          <a:p>
+            <a:pPr marL="146050" indent="0">
+              <a:buNone/>
+            </a:pPr>
+            <a:endParaRPr lang="en-AU" dirty="0"/>
+          </a:p>
+        </p:txBody>
+      </p:sp>
+      <p:pic>
+        <p:nvPicPr>
+          <p:cNvPr id="5" name="Picture 4" descr="Text&#10;&#10;Description automatically generated">
+            <a:extLst>
+              <a:ext uri="{FF2B5EF4-FFF2-40B4-BE49-F238E27FC236}">
+                <a16:creationId xmlns:a16="http://schemas.microsoft.com/office/drawing/2014/main" id="{FEB6999D-9FE5-5CF8-83C8-EA579D3BF524}"/>
+              </a:ext>
+            </a:extLst>
+          </p:cNvPr>
+          <p:cNvPicPr>
+            <a:picLocks noChangeAspect="1"/>
+          </p:cNvPicPr>
+          <p:nvPr/>
+        </p:nvPicPr>
+        <p:blipFill>
+          <a:blip r:embed="rId2"/>
+          <a:stretch>
+            <a:fillRect/>
+          </a:stretch>
+        </p:blipFill>
+        <p:spPr>
+          <a:xfrm>
+            <a:off x="725850" y="1953879"/>
+            <a:ext cx="5715537" cy="2774238"/>
+          </a:xfrm>
+          <a:prstGeom prst="rect">
+            <a:avLst/>
+          </a:prstGeom>
+        </p:spPr>
+      </p:pic>
+    </p:spTree>
+    <p:extLst>
+      <p:ext uri="{BB962C8B-B14F-4D97-AF65-F5344CB8AC3E}">
+        <p14:creationId xmlns:p14="http://schemas.microsoft.com/office/powerpoint/2010/main" val="1162221198"/>
+      </p:ext>
+    </p:extLst>
+  </p:cSld>
+  <p:clrMapOvr>
+    <a:masterClrMapping/>
+  </p:clrMapOvr>
+</p:sld>
+</file>
+
+<file path=ppt/slides/slide12.xml><?xml version="1.0" encoding="utf-8"?>
+<p:sld xmlns:a="http://schemas.openxmlformats.org/drawingml/2006/main" xmlns:r="http://schemas.openxmlformats.org/officeDocument/2006/relationships" xmlns:p="http://schemas.openxmlformats.org/presentationml/2006/main">
+  <p:cSld>
+    <p:spTree>
+      <p:nvGrpSpPr>
+        <p:cNvPr id="1" name=""/>
+        <p:cNvGrpSpPr/>
+        <p:nvPr/>
+      </p:nvGrpSpPr>
+      <p:grpSpPr>
+        <a:xfrm>
+          <a:off x="0" y="0"/>
+          <a:ext cx="0" cy="0"/>
+          <a:chOff x="0" y="0"/>
+          <a:chExt cx="0" cy="0"/>
+        </a:xfrm>
+      </p:grpSpPr>
+      <p:sp>
+        <p:nvSpPr>
+          <p:cNvPr id="2" name="Title 1">
+            <a:extLst>
+              <a:ext uri="{FF2B5EF4-FFF2-40B4-BE49-F238E27FC236}">
+                <a16:creationId xmlns:a16="http://schemas.microsoft.com/office/drawing/2014/main" id="{36BC3F06-99C9-B380-83B9-FC84969343E3}"/>
+              </a:ext>
+            </a:extLst>
+          </p:cNvPr>
+          <p:cNvSpPr>
+            <a:spLocks noGrp="1"/>
+          </p:cNvSpPr>
+          <p:nvPr>
+            <p:ph type="title"/>
+          </p:nvPr>
+        </p:nvSpPr>
+        <p:spPr/>
+        <p:txBody>
+          <a:bodyPr>
+            <a:normAutofit fontScale="90000"/>
+          </a:bodyPr>
+          <a:lstStyle/>
+          <a:p>
+            <a:r>
+              <a:rPr lang="en-AU" dirty="0"/>
+              <a:t>Code Security</a:t>
+            </a:r>
+          </a:p>
+        </p:txBody>
+      </p:sp>
+      <p:sp>
+        <p:nvSpPr>
+          <p:cNvPr id="3" name="Text Placeholder 2">
+            <a:extLst>
+              <a:ext uri="{FF2B5EF4-FFF2-40B4-BE49-F238E27FC236}">
+                <a16:creationId xmlns:a16="http://schemas.microsoft.com/office/drawing/2014/main" id="{242E27B1-2F36-5C83-87F7-9DA78DC6E943}"/>
+              </a:ext>
+            </a:extLst>
+          </p:cNvPr>
+          <p:cNvSpPr>
+            <a:spLocks noGrp="1"/>
+          </p:cNvSpPr>
+          <p:nvPr>
+            <p:ph type="body" idx="1"/>
+          </p:nvPr>
+        </p:nvSpPr>
+        <p:spPr/>
+        <p:txBody>
+          <a:bodyPr/>
+          <a:lstStyle/>
+          <a:p>
+            <a:pPr marL="146050" indent="0">
+              <a:buNone/>
+            </a:pPr>
+            <a:endParaRPr lang="en-AU" dirty="0"/>
+          </a:p>
+        </p:txBody>
+      </p:sp>
+      <p:pic>
+        <p:nvPicPr>
+          <p:cNvPr id="7" name="Picture 6" descr="Text&#10;&#10;Description automatically generated">
+            <a:extLst>
+              <a:ext uri="{FF2B5EF4-FFF2-40B4-BE49-F238E27FC236}">
+                <a16:creationId xmlns:a16="http://schemas.microsoft.com/office/drawing/2014/main" id="{C3334CED-37E6-F932-42EC-92FA7943B1E7}"/>
+              </a:ext>
+            </a:extLst>
+          </p:cNvPr>
+          <p:cNvPicPr>
+            <a:picLocks noChangeAspect="1"/>
+          </p:cNvPicPr>
+          <p:nvPr/>
+        </p:nvPicPr>
+        <p:blipFill>
+          <a:blip r:embed="rId2"/>
+          <a:stretch>
+            <a:fillRect/>
+          </a:stretch>
+        </p:blipFill>
+        <p:spPr>
+          <a:xfrm>
+            <a:off x="725850" y="1931417"/>
+            <a:ext cx="7278029" cy="2556016"/>
+          </a:xfrm>
+          <a:prstGeom prst="rect">
+            <a:avLst/>
+          </a:prstGeom>
+        </p:spPr>
+      </p:pic>
+    </p:spTree>
+    <p:extLst>
+      <p:ext uri="{BB962C8B-B14F-4D97-AF65-F5344CB8AC3E}">
+        <p14:creationId xmlns:p14="http://schemas.microsoft.com/office/powerpoint/2010/main" val="1287987239"/>
+      </p:ext>
+    </p:extLst>
+  </p:cSld>
+  <p:clrMapOvr>
+    <a:masterClrMapping/>
+  </p:clrMapOvr>
+</p:sld>
+</file>
+
+<file path=ppt/slides/slide13.xml><?xml version="1.0" encoding="utf-8"?>
 <p:sld xmlns:a="http://schemas.openxmlformats.org/drawingml/2006/main" xmlns:r="http://schemas.openxmlformats.org/officeDocument/2006/relationships" xmlns:p="http://schemas.openxmlformats.org/presentationml/2006/main">
   <p:cSld>
     <p:spTree>
@@ -7553,102 +7798,112 @@
           <a:p>
             <a:r>
               <a:rPr lang="en-AU" dirty="0"/>
-              <a:t>FUTURE WORK – ADDING NEW FEATURES</a:t>
+              <a:t>DEMO PROCESS – ADMINS</a:t>
             </a:r>
           </a:p>
         </p:txBody>
       </p:sp>
       <p:sp>
         <p:nvSpPr>
-          <p:cNvPr id="3" name="Text Placeholder 2">
+          <p:cNvPr id="3" name="Rectangle 2">
             <a:extLst>
               <a:ext uri="{FF2B5EF4-FFF2-40B4-BE49-F238E27FC236}">
-                <a16:creationId xmlns:a16="http://schemas.microsoft.com/office/drawing/2014/main" id="{B969BF3E-323B-7ABE-17B4-01A5FFC04684}"/>
+                <a16:creationId xmlns:a16="http://schemas.microsoft.com/office/drawing/2014/main" id="{54F5BB6F-ADBE-FC78-E74F-28F1141A096B}"/>
               </a:ext>
             </a:extLst>
           </p:cNvPr>
-          <p:cNvSpPr>
-            <a:spLocks noGrp="1"/>
-          </p:cNvSpPr>
-          <p:nvPr>
-            <p:ph type="body" idx="1"/>
-          </p:nvPr>
+          <p:cNvSpPr/>
+          <p:nvPr/>
         </p:nvSpPr>
-        <p:spPr/>
+        <p:spPr>
+          <a:xfrm>
+            <a:off x="872067" y="2421465"/>
+            <a:ext cx="2040467" cy="1651001"/>
+          </a:xfrm>
+          <a:prstGeom prst="rect">
+            <a:avLst/>
+          </a:prstGeom>
+        </p:spPr>
+        <p:style>
+          <a:lnRef idx="2">
+            <a:schemeClr val="accent1">
+              <a:shade val="50000"/>
+            </a:schemeClr>
+          </a:lnRef>
+          <a:fillRef idx="1">
+            <a:schemeClr val="accent1"/>
+          </a:fillRef>
+          <a:effectRef idx="0">
+            <a:schemeClr val="accent1"/>
+          </a:effectRef>
+          <a:fontRef idx="minor">
+            <a:schemeClr val="lt1"/>
+          </a:fontRef>
+        </p:style>
         <p:txBody>
-          <a:bodyPr/>
+          <a:bodyPr rtlCol="0" anchor="ctr"/>
           <a:lstStyle/>
           <a:p>
-            <a:pPr>
-              <a:lnSpc>
-                <a:spcPct val="200000"/>
-              </a:lnSpc>
-            </a:pPr>
+            <a:pPr algn="ctr"/>
             <a:r>
-              <a:rPr lang="en-AU" b="1" dirty="0"/>
-              <a:t>Add more than one tokens to the DEX</a:t>
+              <a:rPr lang="en-AU" dirty="0"/>
+              <a:t>Add Token to the DEX</a:t>
             </a:r>
           </a:p>
-          <a:p>
-            <a:pPr>
-              <a:lnSpc>
-                <a:spcPct val="200000"/>
-              </a:lnSpc>
-            </a:pPr>
+        </p:txBody>
+      </p:sp>
+      <p:sp>
+        <p:nvSpPr>
+          <p:cNvPr id="4" name="Rectangle 3">
+            <a:extLst>
+              <a:ext uri="{FF2B5EF4-FFF2-40B4-BE49-F238E27FC236}">
+                <a16:creationId xmlns:a16="http://schemas.microsoft.com/office/drawing/2014/main" id="{9EBE4CF8-EEBA-BB44-2852-18F3513568BA}"/>
+              </a:ext>
+            </a:extLst>
+          </p:cNvPr>
+          <p:cNvSpPr/>
+          <p:nvPr/>
+        </p:nvSpPr>
+        <p:spPr>
+          <a:xfrm>
+            <a:off x="4381501" y="2421465"/>
+            <a:ext cx="3699933" cy="1587501"/>
+          </a:xfrm>
+          <a:prstGeom prst="rect">
+            <a:avLst/>
+          </a:prstGeom>
+        </p:spPr>
+        <p:style>
+          <a:lnRef idx="2">
+            <a:schemeClr val="accent1">
+              <a:shade val="50000"/>
+            </a:schemeClr>
+          </a:lnRef>
+          <a:fillRef idx="1">
+            <a:schemeClr val="accent1"/>
+          </a:fillRef>
+          <a:effectRef idx="0">
+            <a:schemeClr val="accent1"/>
+          </a:effectRef>
+          <a:fontRef idx="minor">
+            <a:schemeClr val="lt1"/>
+          </a:fontRef>
+        </p:style>
+        <p:txBody>
+          <a:bodyPr rtlCol="0" anchor="ctr"/>
+          <a:lstStyle/>
+          <a:p>
             <a:r>
-              <a:rPr lang="en-AU" b="1" dirty="0"/>
-              <a:t>Cancel Order Function</a:t>
+              <a:rPr lang="en-AU" dirty="0"/>
+              <a:t>Approve Allowance for the DEX to transfer tokens on behalf of the token owner </a:t>
             </a:r>
-          </a:p>
-          <a:p>
-            <a:pPr>
-              <a:lnSpc>
-                <a:spcPct val="200000"/>
-              </a:lnSpc>
-            </a:pPr>
-            <a:r>
-              <a:rPr lang="en-AU" b="1" dirty="0"/>
-              <a:t>Emits Events : display more info in the front end or enable the user to check </a:t>
-            </a:r>
-            <a:r>
-              <a:rPr lang="en-AU" b="1" dirty="0" err="1"/>
-              <a:t>convieniently</a:t>
-            </a:r>
-            <a:endParaRPr lang="en-AU" b="1" dirty="0"/>
-          </a:p>
-          <a:p>
-            <a:pPr>
-              <a:lnSpc>
-                <a:spcPct val="200000"/>
-              </a:lnSpc>
-            </a:pPr>
-            <a:r>
-              <a:rPr lang="en-AU" b="1" dirty="0"/>
-              <a:t>Display more info in the front end, e.g. Display the allowance for the owner</a:t>
-            </a:r>
-          </a:p>
-          <a:p>
-            <a:pPr>
-              <a:lnSpc>
-                <a:spcPct val="200000"/>
-              </a:lnSpc>
-            </a:pPr>
-            <a:endParaRPr lang="en-AU" b="1" dirty="0"/>
-          </a:p>
-          <a:p>
-            <a:pPr>
-              <a:lnSpc>
-                <a:spcPct val="200000"/>
-              </a:lnSpc>
-            </a:pPr>
-            <a:endParaRPr lang="en-AU" b="1" dirty="0"/>
           </a:p>
         </p:txBody>
       </p:sp>
     </p:spTree>
     <p:extLst>
       <p:ext uri="{BB962C8B-B14F-4D97-AF65-F5344CB8AC3E}">
-        <p14:creationId xmlns:p14="http://schemas.microsoft.com/office/powerpoint/2010/main" val="262065847"/>
+        <p14:creationId xmlns:p14="http://schemas.microsoft.com/office/powerpoint/2010/main" val="1540003154"/>
       </p:ext>
     </p:extLst>
   </p:cSld>
@@ -7658,7 +7913,7 @@
 </p:sld>
 </file>
 
-<file path=ppt/slides/slide12.xml><?xml version="1.0" encoding="utf-8"?>
+<file path=ppt/slides/slide14.xml><?xml version="1.0" encoding="utf-8"?>
 <p:sld xmlns:a="http://schemas.openxmlformats.org/drawingml/2006/main" xmlns:r="http://schemas.openxmlformats.org/officeDocument/2006/relationships" xmlns:p="http://schemas.openxmlformats.org/presentationml/2006/main">
   <p:cSld>
     <p:spTree>
@@ -7700,7 +7955,576 @@
           <a:p>
             <a:r>
               <a:rPr lang="en-AU" dirty="0"/>
-              <a:t>FUTURE WORK – UI OPTIMIZATION</a:t>
+              <a:t>DEMO PROCESS – USERS – FUND MANAGEMENT</a:t>
+            </a:r>
+          </a:p>
+        </p:txBody>
+      </p:sp>
+      <p:sp>
+        <p:nvSpPr>
+          <p:cNvPr id="3" name="Rectangle 2">
+            <a:extLst>
+              <a:ext uri="{FF2B5EF4-FFF2-40B4-BE49-F238E27FC236}">
+                <a16:creationId xmlns:a16="http://schemas.microsoft.com/office/drawing/2014/main" id="{54F5BB6F-ADBE-FC78-E74F-28F1141A096B}"/>
+              </a:ext>
+            </a:extLst>
+          </p:cNvPr>
+          <p:cNvSpPr/>
+          <p:nvPr/>
+        </p:nvSpPr>
+        <p:spPr>
+          <a:xfrm>
+            <a:off x="855133" y="2245783"/>
+            <a:ext cx="2040467" cy="651934"/>
+          </a:xfrm>
+          <a:prstGeom prst="rect">
+            <a:avLst/>
+          </a:prstGeom>
+        </p:spPr>
+        <p:style>
+          <a:lnRef idx="2">
+            <a:schemeClr val="accent1">
+              <a:shade val="50000"/>
+            </a:schemeClr>
+          </a:lnRef>
+          <a:fillRef idx="1">
+            <a:schemeClr val="accent1"/>
+          </a:fillRef>
+          <a:effectRef idx="0">
+            <a:schemeClr val="accent1"/>
+          </a:effectRef>
+          <a:fontRef idx="minor">
+            <a:schemeClr val="lt1"/>
+          </a:fontRef>
+        </p:style>
+        <p:txBody>
+          <a:bodyPr rtlCol="0" anchor="ctr"/>
+          <a:lstStyle/>
+          <a:p>
+            <a:pPr algn="ctr"/>
+            <a:r>
+              <a:rPr lang="en-AU" dirty="0"/>
+              <a:t>Deposit Ether to the DEX</a:t>
+            </a:r>
+          </a:p>
+        </p:txBody>
+      </p:sp>
+      <p:sp>
+        <p:nvSpPr>
+          <p:cNvPr id="4" name="Rectangle 3">
+            <a:extLst>
+              <a:ext uri="{FF2B5EF4-FFF2-40B4-BE49-F238E27FC236}">
+                <a16:creationId xmlns:a16="http://schemas.microsoft.com/office/drawing/2014/main" id="{3BB2A61D-065A-9E48-CFAA-B37EB9C22BDA}"/>
+              </a:ext>
+            </a:extLst>
+          </p:cNvPr>
+          <p:cNvSpPr/>
+          <p:nvPr/>
+        </p:nvSpPr>
+        <p:spPr>
+          <a:xfrm>
+            <a:off x="3217333" y="2245783"/>
+            <a:ext cx="2040467" cy="651934"/>
+          </a:xfrm>
+          <a:prstGeom prst="rect">
+            <a:avLst/>
+          </a:prstGeom>
+        </p:spPr>
+        <p:style>
+          <a:lnRef idx="2">
+            <a:schemeClr val="accent1">
+              <a:shade val="50000"/>
+            </a:schemeClr>
+          </a:lnRef>
+          <a:fillRef idx="1">
+            <a:schemeClr val="accent1"/>
+          </a:fillRef>
+          <a:effectRef idx="0">
+            <a:schemeClr val="accent1"/>
+          </a:effectRef>
+          <a:fontRef idx="minor">
+            <a:schemeClr val="lt1"/>
+          </a:fontRef>
+        </p:style>
+        <p:txBody>
+          <a:bodyPr rtlCol="0" anchor="ctr"/>
+          <a:lstStyle/>
+          <a:p>
+            <a:pPr algn="ctr"/>
+            <a:r>
+              <a:rPr lang="en-AU" dirty="0"/>
+              <a:t>Withdraw Ether to the DEX</a:t>
+            </a:r>
+          </a:p>
+        </p:txBody>
+      </p:sp>
+      <p:sp>
+        <p:nvSpPr>
+          <p:cNvPr id="5" name="Rectangle 4">
+            <a:extLst>
+              <a:ext uri="{FF2B5EF4-FFF2-40B4-BE49-F238E27FC236}">
+                <a16:creationId xmlns:a16="http://schemas.microsoft.com/office/drawing/2014/main" id="{A502616D-C338-8391-48B4-255537A6C719}"/>
+              </a:ext>
+            </a:extLst>
+          </p:cNvPr>
+          <p:cNvSpPr/>
+          <p:nvPr/>
+        </p:nvSpPr>
+        <p:spPr>
+          <a:xfrm>
+            <a:off x="5774266" y="2245783"/>
+            <a:ext cx="2040467" cy="651934"/>
+          </a:xfrm>
+          <a:prstGeom prst="rect">
+            <a:avLst/>
+          </a:prstGeom>
+        </p:spPr>
+        <p:style>
+          <a:lnRef idx="2">
+            <a:schemeClr val="accent1">
+              <a:shade val="50000"/>
+            </a:schemeClr>
+          </a:lnRef>
+          <a:fillRef idx="1">
+            <a:schemeClr val="accent1"/>
+          </a:fillRef>
+          <a:effectRef idx="0">
+            <a:schemeClr val="accent1"/>
+          </a:effectRef>
+          <a:fontRef idx="minor">
+            <a:schemeClr val="lt1"/>
+          </a:fontRef>
+        </p:style>
+        <p:txBody>
+          <a:bodyPr rtlCol="0" anchor="ctr"/>
+          <a:lstStyle/>
+          <a:p>
+            <a:pPr algn="ctr"/>
+            <a:r>
+              <a:rPr lang="en-AU" dirty="0"/>
+              <a:t>Check Ether balance</a:t>
+            </a:r>
+          </a:p>
+        </p:txBody>
+      </p:sp>
+      <p:sp>
+        <p:nvSpPr>
+          <p:cNvPr id="6" name="Rectangle 5">
+            <a:extLst>
+              <a:ext uri="{FF2B5EF4-FFF2-40B4-BE49-F238E27FC236}">
+                <a16:creationId xmlns:a16="http://schemas.microsoft.com/office/drawing/2014/main" id="{47043A3E-9A5E-4B3F-D355-10496308EB94}"/>
+              </a:ext>
+            </a:extLst>
+          </p:cNvPr>
+          <p:cNvSpPr/>
+          <p:nvPr/>
+        </p:nvSpPr>
+        <p:spPr>
+          <a:xfrm>
+            <a:off x="855133" y="3289650"/>
+            <a:ext cx="2040467" cy="651934"/>
+          </a:xfrm>
+          <a:prstGeom prst="rect">
+            <a:avLst/>
+          </a:prstGeom>
+        </p:spPr>
+        <p:style>
+          <a:lnRef idx="2">
+            <a:schemeClr val="accent1">
+              <a:shade val="50000"/>
+            </a:schemeClr>
+          </a:lnRef>
+          <a:fillRef idx="1">
+            <a:schemeClr val="accent1"/>
+          </a:fillRef>
+          <a:effectRef idx="0">
+            <a:schemeClr val="accent1"/>
+          </a:effectRef>
+          <a:fontRef idx="minor">
+            <a:schemeClr val="lt1"/>
+          </a:fontRef>
+        </p:style>
+        <p:txBody>
+          <a:bodyPr rtlCol="0" anchor="ctr"/>
+          <a:lstStyle/>
+          <a:p>
+            <a:pPr algn="ctr"/>
+            <a:r>
+              <a:rPr lang="en-AU" dirty="0"/>
+              <a:t>Deposit Token to the DEX</a:t>
+            </a:r>
+          </a:p>
+        </p:txBody>
+      </p:sp>
+      <p:sp>
+        <p:nvSpPr>
+          <p:cNvPr id="7" name="Rectangle 6">
+            <a:extLst>
+              <a:ext uri="{FF2B5EF4-FFF2-40B4-BE49-F238E27FC236}">
+                <a16:creationId xmlns:a16="http://schemas.microsoft.com/office/drawing/2014/main" id="{471BD6D7-9379-E2F9-F14F-FE5241B77948}"/>
+              </a:ext>
+            </a:extLst>
+          </p:cNvPr>
+          <p:cNvSpPr/>
+          <p:nvPr/>
+        </p:nvSpPr>
+        <p:spPr>
+          <a:xfrm>
+            <a:off x="3217333" y="3289650"/>
+            <a:ext cx="2040467" cy="651934"/>
+          </a:xfrm>
+          <a:prstGeom prst="rect">
+            <a:avLst/>
+          </a:prstGeom>
+        </p:spPr>
+        <p:style>
+          <a:lnRef idx="2">
+            <a:schemeClr val="accent1">
+              <a:shade val="50000"/>
+            </a:schemeClr>
+          </a:lnRef>
+          <a:fillRef idx="1">
+            <a:schemeClr val="accent1"/>
+          </a:fillRef>
+          <a:effectRef idx="0">
+            <a:schemeClr val="accent1"/>
+          </a:effectRef>
+          <a:fontRef idx="minor">
+            <a:schemeClr val="lt1"/>
+          </a:fontRef>
+        </p:style>
+        <p:txBody>
+          <a:bodyPr rtlCol="0" anchor="ctr"/>
+          <a:lstStyle/>
+          <a:p>
+            <a:pPr algn="ctr"/>
+            <a:r>
+              <a:rPr lang="en-AU" dirty="0"/>
+              <a:t>Withdraw Token to the DEX</a:t>
+            </a:r>
+          </a:p>
+        </p:txBody>
+      </p:sp>
+      <p:sp>
+        <p:nvSpPr>
+          <p:cNvPr id="8" name="Rectangle 7">
+            <a:extLst>
+              <a:ext uri="{FF2B5EF4-FFF2-40B4-BE49-F238E27FC236}">
+                <a16:creationId xmlns:a16="http://schemas.microsoft.com/office/drawing/2014/main" id="{E66936E8-6F22-D2D7-FAB5-AE9FDCBB7222}"/>
+              </a:ext>
+            </a:extLst>
+          </p:cNvPr>
+          <p:cNvSpPr/>
+          <p:nvPr/>
+        </p:nvSpPr>
+        <p:spPr>
+          <a:xfrm>
+            <a:off x="5774266" y="3289650"/>
+            <a:ext cx="2040467" cy="651934"/>
+          </a:xfrm>
+          <a:prstGeom prst="rect">
+            <a:avLst/>
+          </a:prstGeom>
+        </p:spPr>
+        <p:style>
+          <a:lnRef idx="2">
+            <a:schemeClr val="accent1">
+              <a:shade val="50000"/>
+            </a:schemeClr>
+          </a:lnRef>
+          <a:fillRef idx="1">
+            <a:schemeClr val="accent1"/>
+          </a:fillRef>
+          <a:effectRef idx="0">
+            <a:schemeClr val="accent1"/>
+          </a:effectRef>
+          <a:fontRef idx="minor">
+            <a:schemeClr val="lt1"/>
+          </a:fontRef>
+        </p:style>
+        <p:txBody>
+          <a:bodyPr rtlCol="0" anchor="ctr"/>
+          <a:lstStyle/>
+          <a:p>
+            <a:pPr algn="ctr"/>
+            <a:r>
+              <a:rPr lang="en-AU" dirty="0"/>
+              <a:t>Check Token balance</a:t>
+            </a:r>
+          </a:p>
+        </p:txBody>
+      </p:sp>
+    </p:spTree>
+    <p:extLst>
+      <p:ext uri="{BB962C8B-B14F-4D97-AF65-F5344CB8AC3E}">
+        <p14:creationId xmlns:p14="http://schemas.microsoft.com/office/powerpoint/2010/main" val="1437565201"/>
+      </p:ext>
+    </p:extLst>
+  </p:cSld>
+  <p:clrMapOvr>
+    <a:masterClrMapping/>
+  </p:clrMapOvr>
+</p:sld>
+</file>
+
+<file path=ppt/slides/slide15.xml><?xml version="1.0" encoding="utf-8"?>
+<p:sld xmlns:a="http://schemas.openxmlformats.org/drawingml/2006/main" xmlns:r="http://schemas.openxmlformats.org/officeDocument/2006/relationships" xmlns:p="http://schemas.openxmlformats.org/presentationml/2006/main">
+  <p:cSld>
+    <p:spTree>
+      <p:nvGrpSpPr>
+        <p:cNvPr id="1" name=""/>
+        <p:cNvGrpSpPr/>
+        <p:nvPr/>
+      </p:nvGrpSpPr>
+      <p:grpSpPr>
+        <a:xfrm>
+          <a:off x="0" y="0"/>
+          <a:ext cx="0" cy="0"/>
+          <a:chOff x="0" y="0"/>
+          <a:chExt cx="0" cy="0"/>
+        </a:xfrm>
+      </p:grpSpPr>
+      <p:sp>
+        <p:nvSpPr>
+          <p:cNvPr id="2" name="Title 1">
+            <a:extLst>
+              <a:ext uri="{FF2B5EF4-FFF2-40B4-BE49-F238E27FC236}">
+                <a16:creationId xmlns:a16="http://schemas.microsoft.com/office/drawing/2014/main" id="{2F9E81C8-76C3-EC59-3FC0-EE59F566AFD2}"/>
+              </a:ext>
+            </a:extLst>
+          </p:cNvPr>
+          <p:cNvSpPr>
+            <a:spLocks noGrp="1"/>
+          </p:cNvSpPr>
+          <p:nvPr>
+            <p:ph type="title"/>
+          </p:nvPr>
+        </p:nvSpPr>
+        <p:spPr/>
+        <p:txBody>
+          <a:bodyPr>
+            <a:normAutofit fontScale="90000"/>
+          </a:bodyPr>
+          <a:lstStyle/>
+          <a:p>
+            <a:r>
+              <a:rPr lang="en-AU" dirty="0"/>
+              <a:t>DEMO PROCESS – USERS – TOKEN TRADING</a:t>
+            </a:r>
+          </a:p>
+        </p:txBody>
+      </p:sp>
+      <p:sp>
+        <p:nvSpPr>
+          <p:cNvPr id="3" name="Rectangle 2">
+            <a:extLst>
+              <a:ext uri="{FF2B5EF4-FFF2-40B4-BE49-F238E27FC236}">
+                <a16:creationId xmlns:a16="http://schemas.microsoft.com/office/drawing/2014/main" id="{54F5BB6F-ADBE-FC78-E74F-28F1141A096B}"/>
+              </a:ext>
+            </a:extLst>
+          </p:cNvPr>
+          <p:cNvSpPr/>
+          <p:nvPr/>
+        </p:nvSpPr>
+        <p:spPr>
+          <a:xfrm>
+            <a:off x="1524000" y="2317750"/>
+            <a:ext cx="2040467" cy="869950"/>
+          </a:xfrm>
+          <a:prstGeom prst="rect">
+            <a:avLst/>
+          </a:prstGeom>
+        </p:spPr>
+        <p:style>
+          <a:lnRef idx="2">
+            <a:schemeClr val="accent1">
+              <a:shade val="50000"/>
+            </a:schemeClr>
+          </a:lnRef>
+          <a:fillRef idx="1">
+            <a:schemeClr val="accent1"/>
+          </a:fillRef>
+          <a:effectRef idx="0">
+            <a:schemeClr val="accent1"/>
+          </a:effectRef>
+          <a:fontRef idx="minor">
+            <a:schemeClr val="lt1"/>
+          </a:fontRef>
+        </p:style>
+        <p:txBody>
+          <a:bodyPr rtlCol="0" anchor="ctr"/>
+          <a:lstStyle/>
+          <a:p>
+            <a:pPr algn="ctr"/>
+            <a:r>
+              <a:rPr lang="en-AU" dirty="0"/>
+              <a:t>Buy Tokens</a:t>
+            </a:r>
+          </a:p>
+        </p:txBody>
+      </p:sp>
+      <p:sp>
+        <p:nvSpPr>
+          <p:cNvPr id="4" name="Rectangle 3">
+            <a:extLst>
+              <a:ext uri="{FF2B5EF4-FFF2-40B4-BE49-F238E27FC236}">
+                <a16:creationId xmlns:a16="http://schemas.microsoft.com/office/drawing/2014/main" id="{3BB2A61D-065A-9E48-CFAA-B37EB9C22BDA}"/>
+              </a:ext>
+            </a:extLst>
+          </p:cNvPr>
+          <p:cNvSpPr/>
+          <p:nvPr/>
+        </p:nvSpPr>
+        <p:spPr>
+          <a:xfrm>
+            <a:off x="3886200" y="2317750"/>
+            <a:ext cx="2040467" cy="869950"/>
+          </a:xfrm>
+          <a:prstGeom prst="rect">
+            <a:avLst/>
+          </a:prstGeom>
+        </p:spPr>
+        <p:style>
+          <a:lnRef idx="2">
+            <a:schemeClr val="accent1">
+              <a:shade val="50000"/>
+            </a:schemeClr>
+          </a:lnRef>
+          <a:fillRef idx="1">
+            <a:schemeClr val="accent1"/>
+          </a:fillRef>
+          <a:effectRef idx="0">
+            <a:schemeClr val="accent1"/>
+          </a:effectRef>
+          <a:fontRef idx="minor">
+            <a:schemeClr val="lt1"/>
+          </a:fontRef>
+        </p:style>
+        <p:txBody>
+          <a:bodyPr rtlCol="0" anchor="ctr"/>
+          <a:lstStyle/>
+          <a:p>
+            <a:pPr algn="ctr"/>
+            <a:r>
+              <a:rPr lang="en-AU" dirty="0"/>
+              <a:t>Sell Tokens</a:t>
+            </a:r>
+          </a:p>
+        </p:txBody>
+      </p:sp>
+      <p:sp>
+        <p:nvSpPr>
+          <p:cNvPr id="6" name="Rectangle 5">
+            <a:extLst>
+              <a:ext uri="{FF2B5EF4-FFF2-40B4-BE49-F238E27FC236}">
+                <a16:creationId xmlns:a16="http://schemas.microsoft.com/office/drawing/2014/main" id="{47043A3E-9A5E-4B3F-D355-10496308EB94}"/>
+              </a:ext>
+            </a:extLst>
+          </p:cNvPr>
+          <p:cNvSpPr/>
+          <p:nvPr/>
+        </p:nvSpPr>
+        <p:spPr>
+          <a:xfrm>
+            <a:off x="1524000" y="3378200"/>
+            <a:ext cx="4402667" cy="836084"/>
+          </a:xfrm>
+          <a:prstGeom prst="rect">
+            <a:avLst/>
+          </a:prstGeom>
+        </p:spPr>
+        <p:style>
+          <a:lnRef idx="2">
+            <a:schemeClr val="accent1">
+              <a:shade val="50000"/>
+            </a:schemeClr>
+          </a:lnRef>
+          <a:fillRef idx="1">
+            <a:schemeClr val="accent1"/>
+          </a:fillRef>
+          <a:effectRef idx="0">
+            <a:schemeClr val="accent1"/>
+          </a:effectRef>
+          <a:fontRef idx="minor">
+            <a:schemeClr val="lt1"/>
+          </a:fontRef>
+        </p:style>
+        <p:txBody>
+          <a:bodyPr rtlCol="0" anchor="ctr"/>
+          <a:lstStyle/>
+          <a:p>
+            <a:pPr algn="ctr"/>
+            <a:r>
+              <a:rPr lang="en-AU" dirty="0"/>
+              <a:t>Check Order Books (Buy Book and Sell </a:t>
+            </a:r>
+            <a:r>
+              <a:rPr lang="en-AU" dirty="0" err="1"/>
+              <a:t>Bood</a:t>
+            </a:r>
+            <a:r>
+              <a:rPr lang="en-AU" dirty="0"/>
+              <a:t>)</a:t>
+            </a:r>
+          </a:p>
+        </p:txBody>
+      </p:sp>
+    </p:spTree>
+    <p:extLst>
+      <p:ext uri="{BB962C8B-B14F-4D97-AF65-F5344CB8AC3E}">
+        <p14:creationId xmlns:p14="http://schemas.microsoft.com/office/powerpoint/2010/main" val="781856211"/>
+      </p:ext>
+    </p:extLst>
+  </p:cSld>
+  <p:clrMapOvr>
+    <a:masterClrMapping/>
+  </p:clrMapOvr>
+</p:sld>
+</file>
+
+<file path=ppt/slides/slide16.xml><?xml version="1.0" encoding="utf-8"?>
+<p:sld xmlns:a="http://schemas.openxmlformats.org/drawingml/2006/main" xmlns:r="http://schemas.openxmlformats.org/officeDocument/2006/relationships" xmlns:p="http://schemas.openxmlformats.org/presentationml/2006/main">
+  <p:cSld>
+    <p:spTree>
+      <p:nvGrpSpPr>
+        <p:cNvPr id="1" name=""/>
+        <p:cNvGrpSpPr/>
+        <p:nvPr/>
+      </p:nvGrpSpPr>
+      <p:grpSpPr>
+        <a:xfrm>
+          <a:off x="0" y="0"/>
+          <a:ext cx="0" cy="0"/>
+          <a:chOff x="0" y="0"/>
+          <a:chExt cx="0" cy="0"/>
+        </a:xfrm>
+      </p:grpSpPr>
+      <p:sp>
+        <p:nvSpPr>
+          <p:cNvPr id="2" name="Title 1">
+            <a:extLst>
+              <a:ext uri="{FF2B5EF4-FFF2-40B4-BE49-F238E27FC236}">
+                <a16:creationId xmlns:a16="http://schemas.microsoft.com/office/drawing/2014/main" id="{2F9E81C8-76C3-EC59-3FC0-EE59F566AFD2}"/>
+              </a:ext>
+            </a:extLst>
+          </p:cNvPr>
+          <p:cNvSpPr>
+            <a:spLocks noGrp="1"/>
+          </p:cNvSpPr>
+          <p:nvPr>
+            <p:ph type="title"/>
+          </p:nvPr>
+        </p:nvSpPr>
+        <p:spPr/>
+        <p:txBody>
+          <a:bodyPr>
+            <a:normAutofit fontScale="90000"/>
+          </a:bodyPr>
+          <a:lstStyle/>
+          <a:p>
+            <a:r>
+              <a:rPr lang="en-AU" dirty="0"/>
+              <a:t>FUTURE WORK - DEBUGGING</a:t>
             </a:r>
           </a:p>
         </p:txBody>
@@ -7733,6 +8557,268 @@
             </a:pPr>
             <a:r>
               <a:rPr lang="en-AU" b="1" dirty="0"/>
+              <a:t>Order partial fulfilment </a:t>
+            </a:r>
+          </a:p>
+          <a:p>
+            <a:pPr lvl="1">
+              <a:lnSpc>
+                <a:spcPct val="200000"/>
+              </a:lnSpc>
+            </a:pPr>
+            <a:r>
+              <a:rPr lang="en-AU" dirty="0"/>
+              <a:t>CASE 1: buy 5@100                      sell 4@100                      ERROR</a:t>
+            </a:r>
+          </a:p>
+          <a:p>
+            <a:pPr lvl="1">
+              <a:lnSpc>
+                <a:spcPct val="200000"/>
+              </a:lnSpc>
+            </a:pPr>
+            <a:r>
+              <a:rPr lang="en-AU" dirty="0"/>
+              <a:t>CASE 2: buy 4@100                      sell 5@100                      WORKING WELL</a:t>
+            </a:r>
+          </a:p>
+        </p:txBody>
+      </p:sp>
+    </p:spTree>
+    <p:extLst>
+      <p:ext uri="{BB962C8B-B14F-4D97-AF65-F5344CB8AC3E}">
+        <p14:creationId xmlns:p14="http://schemas.microsoft.com/office/powerpoint/2010/main" val="4205947895"/>
+      </p:ext>
+    </p:extLst>
+  </p:cSld>
+  <p:clrMapOvr>
+    <a:masterClrMapping/>
+  </p:clrMapOvr>
+</p:sld>
+</file>
+
+<file path=ppt/slides/slide17.xml><?xml version="1.0" encoding="utf-8"?>
+<p:sld xmlns:a="http://schemas.openxmlformats.org/drawingml/2006/main" xmlns:r="http://schemas.openxmlformats.org/officeDocument/2006/relationships" xmlns:p="http://schemas.openxmlformats.org/presentationml/2006/main">
+  <p:cSld>
+    <p:spTree>
+      <p:nvGrpSpPr>
+        <p:cNvPr id="1" name=""/>
+        <p:cNvGrpSpPr/>
+        <p:nvPr/>
+      </p:nvGrpSpPr>
+      <p:grpSpPr>
+        <a:xfrm>
+          <a:off x="0" y="0"/>
+          <a:ext cx="0" cy="0"/>
+          <a:chOff x="0" y="0"/>
+          <a:chExt cx="0" cy="0"/>
+        </a:xfrm>
+      </p:grpSpPr>
+      <p:sp>
+        <p:nvSpPr>
+          <p:cNvPr id="2" name="Title 1">
+            <a:extLst>
+              <a:ext uri="{FF2B5EF4-FFF2-40B4-BE49-F238E27FC236}">
+                <a16:creationId xmlns:a16="http://schemas.microsoft.com/office/drawing/2014/main" id="{2F9E81C8-76C3-EC59-3FC0-EE59F566AFD2}"/>
+              </a:ext>
+            </a:extLst>
+          </p:cNvPr>
+          <p:cNvSpPr>
+            <a:spLocks noGrp="1"/>
+          </p:cNvSpPr>
+          <p:nvPr>
+            <p:ph type="title"/>
+          </p:nvPr>
+        </p:nvSpPr>
+        <p:spPr/>
+        <p:txBody>
+          <a:bodyPr>
+            <a:normAutofit fontScale="90000"/>
+          </a:bodyPr>
+          <a:lstStyle/>
+          <a:p>
+            <a:r>
+              <a:rPr lang="en-AU" dirty="0"/>
+              <a:t>FUTURE WORK – ADDING NEW FEATURES</a:t>
+            </a:r>
+          </a:p>
+        </p:txBody>
+      </p:sp>
+      <p:sp>
+        <p:nvSpPr>
+          <p:cNvPr id="3" name="Text Placeholder 2">
+            <a:extLst>
+              <a:ext uri="{FF2B5EF4-FFF2-40B4-BE49-F238E27FC236}">
+                <a16:creationId xmlns:a16="http://schemas.microsoft.com/office/drawing/2014/main" id="{B969BF3E-323B-7ABE-17B4-01A5FFC04684}"/>
+              </a:ext>
+            </a:extLst>
+          </p:cNvPr>
+          <p:cNvSpPr>
+            <a:spLocks noGrp="1"/>
+          </p:cNvSpPr>
+          <p:nvPr>
+            <p:ph type="body" idx="1"/>
+          </p:nvPr>
+        </p:nvSpPr>
+        <p:spPr/>
+        <p:txBody>
+          <a:bodyPr/>
+          <a:lstStyle/>
+          <a:p>
+            <a:pPr>
+              <a:lnSpc>
+                <a:spcPct val="200000"/>
+              </a:lnSpc>
+            </a:pPr>
+            <a:r>
+              <a:rPr lang="en-AU" b="1" dirty="0"/>
+              <a:t>Add more than one tokens to the DEX</a:t>
+            </a:r>
+          </a:p>
+          <a:p>
+            <a:pPr>
+              <a:lnSpc>
+                <a:spcPct val="200000"/>
+              </a:lnSpc>
+            </a:pPr>
+            <a:r>
+              <a:rPr lang="en-AU" b="1" dirty="0"/>
+              <a:t>Cancel Order Function</a:t>
+            </a:r>
+          </a:p>
+          <a:p>
+            <a:pPr>
+              <a:lnSpc>
+                <a:spcPct val="200000"/>
+              </a:lnSpc>
+            </a:pPr>
+            <a:r>
+              <a:rPr lang="en-AU" b="1" dirty="0"/>
+              <a:t>Emits Events : display more info in the front end or enable the user to check </a:t>
+            </a:r>
+            <a:r>
+              <a:rPr lang="en-AU" b="1" dirty="0" err="1"/>
+              <a:t>convieniently</a:t>
+            </a:r>
+            <a:endParaRPr lang="en-AU" b="1" dirty="0"/>
+          </a:p>
+          <a:p>
+            <a:pPr>
+              <a:lnSpc>
+                <a:spcPct val="200000"/>
+              </a:lnSpc>
+            </a:pPr>
+            <a:r>
+              <a:rPr lang="en-AU" b="1" dirty="0"/>
+              <a:t>Display more info in the front end, e.g. Display the allowance for the owner</a:t>
+            </a:r>
+          </a:p>
+          <a:p>
+            <a:pPr>
+              <a:lnSpc>
+                <a:spcPct val="200000"/>
+              </a:lnSpc>
+            </a:pPr>
+            <a:endParaRPr lang="en-AU" b="1" dirty="0"/>
+          </a:p>
+          <a:p>
+            <a:pPr>
+              <a:lnSpc>
+                <a:spcPct val="200000"/>
+              </a:lnSpc>
+            </a:pPr>
+            <a:endParaRPr lang="en-AU" b="1" dirty="0"/>
+          </a:p>
+        </p:txBody>
+      </p:sp>
+    </p:spTree>
+    <p:extLst>
+      <p:ext uri="{BB962C8B-B14F-4D97-AF65-F5344CB8AC3E}">
+        <p14:creationId xmlns:p14="http://schemas.microsoft.com/office/powerpoint/2010/main" val="262065847"/>
+      </p:ext>
+    </p:extLst>
+  </p:cSld>
+  <p:clrMapOvr>
+    <a:masterClrMapping/>
+  </p:clrMapOvr>
+</p:sld>
+</file>
+
+<file path=ppt/slides/slide18.xml><?xml version="1.0" encoding="utf-8"?>
+<p:sld xmlns:a="http://schemas.openxmlformats.org/drawingml/2006/main" xmlns:r="http://schemas.openxmlformats.org/officeDocument/2006/relationships" xmlns:p="http://schemas.openxmlformats.org/presentationml/2006/main">
+  <p:cSld>
+    <p:spTree>
+      <p:nvGrpSpPr>
+        <p:cNvPr id="1" name=""/>
+        <p:cNvGrpSpPr/>
+        <p:nvPr/>
+      </p:nvGrpSpPr>
+      <p:grpSpPr>
+        <a:xfrm>
+          <a:off x="0" y="0"/>
+          <a:ext cx="0" cy="0"/>
+          <a:chOff x="0" y="0"/>
+          <a:chExt cx="0" cy="0"/>
+        </a:xfrm>
+      </p:grpSpPr>
+      <p:sp>
+        <p:nvSpPr>
+          <p:cNvPr id="2" name="Title 1">
+            <a:extLst>
+              <a:ext uri="{FF2B5EF4-FFF2-40B4-BE49-F238E27FC236}">
+                <a16:creationId xmlns:a16="http://schemas.microsoft.com/office/drawing/2014/main" id="{2F9E81C8-76C3-EC59-3FC0-EE59F566AFD2}"/>
+              </a:ext>
+            </a:extLst>
+          </p:cNvPr>
+          <p:cNvSpPr>
+            <a:spLocks noGrp="1"/>
+          </p:cNvSpPr>
+          <p:nvPr>
+            <p:ph type="title"/>
+          </p:nvPr>
+        </p:nvSpPr>
+        <p:spPr/>
+        <p:txBody>
+          <a:bodyPr>
+            <a:normAutofit fontScale="90000"/>
+          </a:bodyPr>
+          <a:lstStyle/>
+          <a:p>
+            <a:r>
+              <a:rPr lang="en-AU" dirty="0"/>
+              <a:t>FUTURE WORK – UI OPTIMIZATION</a:t>
+            </a:r>
+          </a:p>
+        </p:txBody>
+      </p:sp>
+      <p:sp>
+        <p:nvSpPr>
+          <p:cNvPr id="3" name="Text Placeholder 2">
+            <a:extLst>
+              <a:ext uri="{FF2B5EF4-FFF2-40B4-BE49-F238E27FC236}">
+                <a16:creationId xmlns:a16="http://schemas.microsoft.com/office/drawing/2014/main" id="{B969BF3E-323B-7ABE-17B4-01A5FFC04684}"/>
+              </a:ext>
+            </a:extLst>
+          </p:cNvPr>
+          <p:cNvSpPr>
+            <a:spLocks noGrp="1"/>
+          </p:cNvSpPr>
+          <p:nvPr>
+            <p:ph type="body" idx="1"/>
+          </p:nvPr>
+        </p:nvSpPr>
+        <p:spPr/>
+        <p:txBody>
+          <a:bodyPr/>
+          <a:lstStyle/>
+          <a:p>
+            <a:pPr>
+              <a:lnSpc>
+                <a:spcPct val="200000"/>
+              </a:lnSpc>
+            </a:pPr>
+            <a:r>
+              <a:rPr lang="en-AU" b="1" dirty="0"/>
               <a:t>Sidebar fonts should be bigger </a:t>
             </a:r>
           </a:p>
@@ -7762,7 +8848,7 @@
 </p:sld>
 </file>
 
-<file path=ppt/slides/slide13.xml><?xml version="1.0" encoding="utf-8"?>
+<file path=ppt/slides/slide19.xml><?xml version="1.0" encoding="utf-8"?>
 <p:sld xmlns:a="http://schemas.openxmlformats.org/drawingml/2006/main" xmlns:r="http://schemas.openxmlformats.org/officeDocument/2006/relationships" xmlns:p="http://schemas.openxmlformats.org/presentationml/2006/main">
   <p:cSld>
     <p:spTree>
@@ -8102,7 +9188,7 @@
           <p:cNvPr id="2" name="Title 1">
             <a:extLst>
               <a:ext uri="{FF2B5EF4-FFF2-40B4-BE49-F238E27FC236}">
-                <a16:creationId xmlns:a16="http://schemas.microsoft.com/office/drawing/2014/main" id="{8367DCBC-8C71-3430-7CE0-F0143D3DC8DD}"/>
+                <a16:creationId xmlns:a16="http://schemas.microsoft.com/office/drawing/2014/main" id="{527CF75E-51B2-DF91-F518-00D00B4F017A}"/>
               </a:ext>
             </a:extLst>
           </p:cNvPr>
@@ -8122,7 +9208,7 @@
           <a:p>
             <a:r>
               <a:rPr lang="en-AU" dirty="0"/>
-              <a:t>FILE STRUCTURE AND DEPLOYMENT</a:t>
+              <a:t>Overview of the Decentralised Exchange (DEX)</a:t>
             </a:r>
           </a:p>
         </p:txBody>
@@ -8132,7 +9218,7 @@
           <p:cNvPr id="3" name="Text Placeholder 2">
             <a:extLst>
               <a:ext uri="{FF2B5EF4-FFF2-40B4-BE49-F238E27FC236}">
-                <a16:creationId xmlns:a16="http://schemas.microsoft.com/office/drawing/2014/main" id="{9AB5D929-A13C-EE3B-724E-364671A276B2}"/>
+                <a16:creationId xmlns:a16="http://schemas.microsoft.com/office/drawing/2014/main" id="{D0D80D4F-0022-B221-8F63-B7E90CB2BCF7}"/>
               </a:ext>
             </a:extLst>
           </p:cNvPr>
@@ -8145,148 +9231,72 @@
         </p:nvSpPr>
         <p:spPr/>
         <p:txBody>
-          <a:bodyPr>
-            <a:normAutofit fontScale="92500" lnSpcReduction="10000"/>
-          </a:bodyPr>
+          <a:bodyPr/>
           <a:lstStyle/>
-          <a:p>
-            <a:pPr marL="146050" indent="0">
-              <a:buNone/>
-            </a:pPr>
-            <a:r>
-              <a:rPr lang="en-AU" b="1" dirty="0"/>
-              <a:t>Files</a:t>
-            </a:r>
-          </a:p>
           <a:p>
             <a:r>
               <a:rPr lang="en-AU" dirty="0"/>
-              <a:t>Back End:  .env File/.sol File/.</a:t>
+              <a:t>Exchange - </a:t>
             </a:r>
             <a:r>
-              <a:rPr lang="en-AU" dirty="0" err="1"/>
-              <a:t>json</a:t>
+              <a:rPr lang="en-GB" dirty="0"/>
+              <a:t>“An act of giving one thing and receiving another (especially of the same kind) in return.” – Oxford Living Dictionaries </a:t>
+            </a:r>
+          </a:p>
+          <a:p>
+            <a:r>
+              <a:rPr lang="en-AU" dirty="0"/>
+              <a:t>Price, Spread - </a:t>
             </a:r>
             <a:r>
-              <a:rPr lang="en-AU" dirty="0"/>
-              <a:t> File</a:t>
+              <a:rPr lang="en-GB" dirty="0"/>
+              <a:t>Demand and Supply make the price (last sell price)</a:t>
+            </a:r>
+          </a:p>
+          <a:p>
+            <a:r>
+              <a:rPr lang="en-GB" dirty="0"/>
+              <a:t>Limit Order – the difference between the lowest ‘ask’ (sell) price, and the highest bid (buy) price creates the market (Market maker). These are called </a:t>
+            </a:r>
+            <a:r>
+              <a:rPr lang="en-GB" b="1" dirty="0"/>
+              <a:t>Limit Orders</a:t>
+            </a:r>
+            <a:r>
+              <a:rPr lang="en-GB" dirty="0"/>
+              <a:t> and are entered into the order book </a:t>
+            </a:r>
+          </a:p>
+          <a:p>
+            <a:r>
+              <a:rPr lang="en-GB" dirty="0"/>
+              <a:t>Market Order – An order executed at the current ‘ask’ (sell) or ‘bid’ (buy) price </a:t>
             </a:r>
           </a:p>
           <a:p>
             <a:r>
               <a:rPr lang="en-AU" dirty="0"/>
-              <a:t>Front End: app.py </a:t>
-            </a:r>
-          </a:p>
-          <a:p>
-            <a:r>
-              <a:rPr lang="en-AU" dirty="0"/>
-              <a:t>Readme &amp; PPT</a:t>
-            </a:r>
-          </a:p>
-          <a:p>
-            <a:endParaRPr lang="en-AU" dirty="0"/>
-          </a:p>
-          <a:p>
-            <a:pPr marL="146050" indent="0">
-              <a:buNone/>
-            </a:pPr>
-            <a:r>
-              <a:rPr lang="en-AU" b="1" dirty="0"/>
-              <a:t>Deployment and Execution</a:t>
-            </a:r>
-          </a:p>
-          <a:p>
-            <a:pPr marL="488950" indent="-342900">
-              <a:buFont typeface="+mj-lt"/>
-              <a:buAutoNum type="arabicPeriod"/>
-            </a:pPr>
-            <a:r>
-              <a:rPr lang="en-AU" dirty="0"/>
-              <a:t>Compile </a:t>
+              <a:t>Volume, Tick Data - </a:t>
             </a:r>
             <a:r>
-              <a:rPr lang="en-AU" dirty="0" err="1"/>
-              <a:t>Exchange.sol</a:t>
+              <a:rPr lang="en-GB" dirty="0"/>
+              <a:t>First Trade, Highest Trade, Lowest Trade, Last Trade within a time interval</a:t>
             </a:r>
-            <a:r>
-              <a:rPr lang="en-AU" dirty="0"/>
-              <a:t>, </a:t>
-            </a:r>
-            <a:r>
-              <a:rPr lang="en-AU" dirty="0" err="1"/>
-              <a:t>FixedSupplyToken.sol</a:t>
-            </a:r>
+          </a:p>
+          <a:p>
+            <a:pPr lvl="1"/>
+            <a:endParaRPr lang="en-GB" dirty="0"/>
+          </a:p>
+          <a:p>
+            <a:pPr lvl="1"/>
             <a:endParaRPr lang="en-AU" dirty="0"/>
-          </a:p>
-          <a:p>
-            <a:pPr marL="488950" indent="-342900">
-              <a:buFont typeface="+mj-lt"/>
-              <a:buAutoNum type="arabicPeriod"/>
-            </a:pPr>
-            <a:r>
-              <a:rPr lang="en-AU" dirty="0"/>
-              <a:t>Copy ABI to ‘./compiled/</a:t>
-            </a:r>
-            <a:r>
-              <a:rPr lang="en-AU" dirty="0" err="1"/>
-              <a:t>Exchange_abi.json</a:t>
-            </a:r>
-            <a:r>
-              <a:rPr lang="en-AU" dirty="0"/>
-              <a:t>’ and ‘./compiled/</a:t>
-            </a:r>
-            <a:r>
-              <a:rPr lang="en-AU" dirty="0" err="1"/>
-              <a:t>FixedSupplyToken_abi.json</a:t>
-            </a:r>
-            <a:r>
-              <a:rPr lang="en-AU" dirty="0"/>
-              <a:t>’ </a:t>
-            </a:r>
-          </a:p>
-          <a:p>
-            <a:pPr marL="488950" indent="-342900">
-              <a:buFont typeface="+mj-lt"/>
-              <a:buAutoNum type="arabicPeriod"/>
-            </a:pPr>
-            <a:r>
-              <a:rPr lang="en-AU" dirty="0"/>
-              <a:t>Deploy Smart Contracts: Exchange and </a:t>
-            </a:r>
-            <a:r>
-              <a:rPr lang="en-AU" dirty="0" err="1"/>
-              <a:t>FixedSupplyToken</a:t>
-            </a:r>
-            <a:r>
-              <a:rPr lang="en-AU" dirty="0"/>
-              <a:t> </a:t>
-            </a:r>
-          </a:p>
-          <a:p>
-            <a:pPr marL="488950" indent="-342900">
-              <a:buFont typeface="+mj-lt"/>
-              <a:buAutoNum type="arabicPeriod"/>
-            </a:pPr>
-            <a:r>
-              <a:rPr lang="en-AU" dirty="0"/>
-              <a:t>Run app.py: </a:t>
-            </a:r>
-            <a:r>
-              <a:rPr lang="en-AU" dirty="0" err="1"/>
-              <a:t>streamlit</a:t>
-            </a:r>
-            <a:r>
-              <a:rPr lang="en-AU" dirty="0"/>
-              <a:t> run app.py</a:t>
-            </a:r>
           </a:p>
         </p:txBody>
       </p:sp>
     </p:spTree>
     <p:extLst>
       <p:ext uri="{BB962C8B-B14F-4D97-AF65-F5344CB8AC3E}">
-        <p14:creationId xmlns:p14="http://schemas.microsoft.com/office/powerpoint/2010/main" val="341054582"/>
+        <p14:creationId xmlns:p14="http://schemas.microsoft.com/office/powerpoint/2010/main" val="3308985469"/>
       </p:ext>
     </p:extLst>
   </p:cSld>
@@ -8297,6 +9307,154 @@
 </file>
 
 <file path=ppt/slides/slide4.xml><?xml version="1.0" encoding="utf-8"?>
+<p:sld xmlns:a="http://schemas.openxmlformats.org/drawingml/2006/main" xmlns:r="http://schemas.openxmlformats.org/officeDocument/2006/relationships" xmlns:p="http://schemas.openxmlformats.org/presentationml/2006/main">
+  <p:cSld>
+    <p:spTree>
+      <p:nvGrpSpPr>
+        <p:cNvPr id="1" name=""/>
+        <p:cNvGrpSpPr/>
+        <p:nvPr/>
+      </p:nvGrpSpPr>
+      <p:grpSpPr>
+        <a:xfrm>
+          <a:off x="0" y="0"/>
+          <a:ext cx="0" cy="0"/>
+          <a:chOff x="0" y="0"/>
+          <a:chExt cx="0" cy="0"/>
+        </a:xfrm>
+      </p:grpSpPr>
+      <p:sp>
+        <p:nvSpPr>
+          <p:cNvPr id="2" name="Title 1">
+            <a:extLst>
+              <a:ext uri="{FF2B5EF4-FFF2-40B4-BE49-F238E27FC236}">
+                <a16:creationId xmlns:a16="http://schemas.microsoft.com/office/drawing/2014/main" id="{6C65485F-2608-4C71-BC73-679985F820B8}"/>
+              </a:ext>
+            </a:extLst>
+          </p:cNvPr>
+          <p:cNvSpPr>
+            <a:spLocks noGrp="1"/>
+          </p:cNvSpPr>
+          <p:nvPr>
+            <p:ph type="title"/>
+          </p:nvPr>
+        </p:nvSpPr>
+        <p:spPr/>
+        <p:txBody>
+          <a:bodyPr>
+            <a:normAutofit fontScale="90000"/>
+          </a:bodyPr>
+          <a:lstStyle/>
+          <a:p>
+            <a:r>
+              <a:rPr lang="en-AU" dirty="0"/>
+              <a:t>Workflow</a:t>
+            </a:r>
+          </a:p>
+        </p:txBody>
+      </p:sp>
+      <p:sp>
+        <p:nvSpPr>
+          <p:cNvPr id="3" name="Text Placeholder 2">
+            <a:extLst>
+              <a:ext uri="{FF2B5EF4-FFF2-40B4-BE49-F238E27FC236}">
+                <a16:creationId xmlns:a16="http://schemas.microsoft.com/office/drawing/2014/main" id="{C9956B32-6A51-2648-2DDD-6BA3C31188C6}"/>
+              </a:ext>
+            </a:extLst>
+          </p:cNvPr>
+          <p:cNvSpPr>
+            <a:spLocks noGrp="1"/>
+          </p:cNvSpPr>
+          <p:nvPr>
+            <p:ph type="body" idx="1"/>
+          </p:nvPr>
+        </p:nvSpPr>
+        <p:spPr/>
+        <p:txBody>
+          <a:bodyPr/>
+          <a:lstStyle/>
+          <a:p>
+            <a:pPr marL="146050" indent="0">
+              <a:buNone/>
+            </a:pPr>
+            <a:endParaRPr lang="en-AU" dirty="0"/>
+          </a:p>
+        </p:txBody>
+      </p:sp>
+      <p:pic>
+        <p:nvPicPr>
+          <p:cNvPr id="5" name="Picture 4" descr="A picture containing text, businesscard&#10;&#10;Description automatically generated">
+            <a:extLst>
+              <a:ext uri="{FF2B5EF4-FFF2-40B4-BE49-F238E27FC236}">
+                <a16:creationId xmlns:a16="http://schemas.microsoft.com/office/drawing/2014/main" id="{8747B32C-4593-7472-7EA3-D099D96414F4}"/>
+              </a:ext>
+            </a:extLst>
+          </p:cNvPr>
+          <p:cNvPicPr>
+            <a:picLocks noChangeAspect="1"/>
+          </p:cNvPicPr>
+          <p:nvPr/>
+        </p:nvPicPr>
+        <p:blipFill>
+          <a:blip r:embed="rId2"/>
+          <a:stretch>
+            <a:fillRect/>
+          </a:stretch>
+        </p:blipFill>
+        <p:spPr>
+          <a:xfrm>
+            <a:off x="725850" y="2076856"/>
+            <a:ext cx="3479179" cy="2184650"/>
+          </a:xfrm>
+          <a:prstGeom prst="rect">
+            <a:avLst/>
+          </a:prstGeom>
+        </p:spPr>
+      </p:pic>
+      <p:pic>
+        <p:nvPicPr>
+          <p:cNvPr id="7" name="Picture 6" descr="Chart, diagram&#10;&#10;Description automatically generated">
+            <a:extLst>
+              <a:ext uri="{FF2B5EF4-FFF2-40B4-BE49-F238E27FC236}">
+                <a16:creationId xmlns:a16="http://schemas.microsoft.com/office/drawing/2014/main" id="{E86F4A80-4F6B-378F-3295-52121A247116}"/>
+              </a:ext>
+            </a:extLst>
+          </p:cNvPr>
+          <p:cNvPicPr>
+            <a:picLocks noChangeAspect="1"/>
+          </p:cNvPicPr>
+          <p:nvPr/>
+        </p:nvPicPr>
+        <p:blipFill>
+          <a:blip r:embed="rId3"/>
+          <a:stretch>
+            <a:fillRect/>
+          </a:stretch>
+        </p:blipFill>
+        <p:spPr>
+          <a:xfrm>
+            <a:off x="4460555" y="2078875"/>
+            <a:ext cx="3875882" cy="2184650"/>
+          </a:xfrm>
+          <a:prstGeom prst="rect">
+            <a:avLst/>
+          </a:prstGeom>
+        </p:spPr>
+      </p:pic>
+    </p:spTree>
+    <p:extLst>
+      <p:ext uri="{BB962C8B-B14F-4D97-AF65-F5344CB8AC3E}">
+        <p14:creationId xmlns:p14="http://schemas.microsoft.com/office/powerpoint/2010/main" val="815196855"/>
+      </p:ext>
+    </p:extLst>
+  </p:cSld>
+  <p:clrMapOvr>
+    <a:masterClrMapping/>
+  </p:clrMapOvr>
+</p:sld>
+</file>
+
+<file path=ppt/slides/slide5.xml><?xml version="1.0" encoding="utf-8"?>
 <p:sld xmlns:a="http://schemas.openxmlformats.org/drawingml/2006/main" xmlns:r="http://schemas.openxmlformats.org/officeDocument/2006/relationships" xmlns:p="http://schemas.openxmlformats.org/presentationml/2006/main">
   <p:cSld>
     <p:spTree>
@@ -8736,7 +9894,7 @@
 </p:sld>
 </file>
 
-<file path=ppt/slides/slide5.xml><?xml version="1.0" encoding="utf-8"?>
+<file path=ppt/slides/slide6.xml><?xml version="1.0" encoding="utf-8"?>
 <p:sld xmlns:a="http://schemas.openxmlformats.org/drawingml/2006/main" xmlns:r="http://schemas.openxmlformats.org/officeDocument/2006/relationships" xmlns:p="http://schemas.openxmlformats.org/presentationml/2006/main">
   <p:cSld>
     <p:spTree>
@@ -8940,7 +10098,7 @@
 </p:sld>
 </file>
 
-<file path=ppt/slides/slide6.xml><?xml version="1.0" encoding="utf-8"?>
+<file path=ppt/slides/slide7.xml><?xml version="1.0" encoding="utf-8"?>
 <p:sld xmlns:a="http://schemas.openxmlformats.org/drawingml/2006/main" xmlns:r="http://schemas.openxmlformats.org/officeDocument/2006/relationships" xmlns:p="http://schemas.openxmlformats.org/presentationml/2006/main">
   <p:cSld>
     <p:spTree>
@@ -9030,163 +10188,6 @@
 </p:sld>
 </file>
 
-<file path=ppt/slides/slide7.xml><?xml version="1.0" encoding="utf-8"?>
-<p:sld xmlns:a="http://schemas.openxmlformats.org/drawingml/2006/main" xmlns:r="http://schemas.openxmlformats.org/officeDocument/2006/relationships" xmlns:p="http://schemas.openxmlformats.org/presentationml/2006/main">
-  <p:cSld>
-    <p:spTree>
-      <p:nvGrpSpPr>
-        <p:cNvPr id="1" name=""/>
-        <p:cNvGrpSpPr/>
-        <p:nvPr/>
-      </p:nvGrpSpPr>
-      <p:grpSpPr>
-        <a:xfrm>
-          <a:off x="0" y="0"/>
-          <a:ext cx="0" cy="0"/>
-          <a:chOff x="0" y="0"/>
-          <a:chExt cx="0" cy="0"/>
-        </a:xfrm>
-      </p:grpSpPr>
-      <p:sp>
-        <p:nvSpPr>
-          <p:cNvPr id="2" name="Title 1">
-            <a:extLst>
-              <a:ext uri="{FF2B5EF4-FFF2-40B4-BE49-F238E27FC236}">
-                <a16:creationId xmlns:a16="http://schemas.microsoft.com/office/drawing/2014/main" id="{2F9E81C8-76C3-EC59-3FC0-EE59F566AFD2}"/>
-              </a:ext>
-            </a:extLst>
-          </p:cNvPr>
-          <p:cNvSpPr>
-            <a:spLocks noGrp="1"/>
-          </p:cNvSpPr>
-          <p:nvPr>
-            <p:ph type="title"/>
-          </p:nvPr>
-        </p:nvSpPr>
-        <p:spPr/>
-        <p:txBody>
-          <a:bodyPr>
-            <a:normAutofit fontScale="90000"/>
-          </a:bodyPr>
-          <a:lstStyle/>
-          <a:p>
-            <a:r>
-              <a:rPr lang="en-AU" dirty="0"/>
-              <a:t>DEMO PROCESS – ADMINS</a:t>
-            </a:r>
-          </a:p>
-        </p:txBody>
-      </p:sp>
-      <p:sp>
-        <p:nvSpPr>
-          <p:cNvPr id="3" name="Rectangle 2">
-            <a:extLst>
-              <a:ext uri="{FF2B5EF4-FFF2-40B4-BE49-F238E27FC236}">
-                <a16:creationId xmlns:a16="http://schemas.microsoft.com/office/drawing/2014/main" id="{54F5BB6F-ADBE-FC78-E74F-28F1141A096B}"/>
-              </a:ext>
-            </a:extLst>
-          </p:cNvPr>
-          <p:cNvSpPr/>
-          <p:nvPr/>
-        </p:nvSpPr>
-        <p:spPr>
-          <a:xfrm>
-            <a:off x="872067" y="2421465"/>
-            <a:ext cx="2040467" cy="1651001"/>
-          </a:xfrm>
-          <a:prstGeom prst="rect">
-            <a:avLst/>
-          </a:prstGeom>
-        </p:spPr>
-        <p:style>
-          <a:lnRef idx="2">
-            <a:schemeClr val="accent1">
-              <a:shade val="50000"/>
-            </a:schemeClr>
-          </a:lnRef>
-          <a:fillRef idx="1">
-            <a:schemeClr val="accent1"/>
-          </a:fillRef>
-          <a:effectRef idx="0">
-            <a:schemeClr val="accent1"/>
-          </a:effectRef>
-          <a:fontRef idx="minor">
-            <a:schemeClr val="lt1"/>
-          </a:fontRef>
-        </p:style>
-        <p:txBody>
-          <a:bodyPr rtlCol="0" anchor="ctr"/>
-          <a:lstStyle/>
-          <a:p>
-            <a:pPr algn="ctr"/>
-            <a:r>
-              <a:rPr lang="en-AU" dirty="0"/>
-              <a:t>Add Token to the DEX</a:t>
-            </a:r>
-          </a:p>
-        </p:txBody>
-      </p:sp>
-      <p:sp>
-        <p:nvSpPr>
-          <p:cNvPr id="4" name="Rectangle 3">
-            <a:extLst>
-              <a:ext uri="{FF2B5EF4-FFF2-40B4-BE49-F238E27FC236}">
-                <a16:creationId xmlns:a16="http://schemas.microsoft.com/office/drawing/2014/main" id="{9EBE4CF8-EEBA-BB44-2852-18F3513568BA}"/>
-              </a:ext>
-            </a:extLst>
-          </p:cNvPr>
-          <p:cNvSpPr/>
-          <p:nvPr/>
-        </p:nvSpPr>
-        <p:spPr>
-          <a:xfrm>
-            <a:off x="4381501" y="2421465"/>
-            <a:ext cx="3699933" cy="1587501"/>
-          </a:xfrm>
-          <a:prstGeom prst="rect">
-            <a:avLst/>
-          </a:prstGeom>
-        </p:spPr>
-        <p:style>
-          <a:lnRef idx="2">
-            <a:schemeClr val="accent1">
-              <a:shade val="50000"/>
-            </a:schemeClr>
-          </a:lnRef>
-          <a:fillRef idx="1">
-            <a:schemeClr val="accent1"/>
-          </a:fillRef>
-          <a:effectRef idx="0">
-            <a:schemeClr val="accent1"/>
-          </a:effectRef>
-          <a:fontRef idx="minor">
-            <a:schemeClr val="lt1"/>
-          </a:fontRef>
-        </p:style>
-        <p:txBody>
-          <a:bodyPr rtlCol="0" anchor="ctr"/>
-          <a:lstStyle/>
-          <a:p>
-            <a:r>
-              <a:rPr lang="en-AU" dirty="0"/>
-              <a:t>Approve Allowance for the DEX to transfer tokens on behalf of the token owner </a:t>
-            </a:r>
-          </a:p>
-        </p:txBody>
-      </p:sp>
-    </p:spTree>
-    <p:extLst>
-      <p:ext uri="{BB962C8B-B14F-4D97-AF65-F5344CB8AC3E}">
-        <p14:creationId xmlns:p14="http://schemas.microsoft.com/office/powerpoint/2010/main" val="1540003154"/>
-      </p:ext>
-    </p:extLst>
-  </p:cSld>
-  <p:clrMapOvr>
-    <a:masterClrMapping/>
-  </p:clrMapOvr>
-</p:sld>
-</file>
-
 <file path=ppt/slides/slide8.xml><?xml version="1.0" encoding="utf-8"?>
 <p:sld xmlns:a="http://schemas.openxmlformats.org/drawingml/2006/main" xmlns:r="http://schemas.openxmlformats.org/officeDocument/2006/relationships" xmlns:p="http://schemas.openxmlformats.org/presentationml/2006/main">
   <p:cSld>
@@ -9209,7 +10210,7 @@
           <p:cNvPr id="2" name="Title 1">
             <a:extLst>
               <a:ext uri="{FF2B5EF4-FFF2-40B4-BE49-F238E27FC236}">
-                <a16:creationId xmlns:a16="http://schemas.microsoft.com/office/drawing/2014/main" id="{2F9E81C8-76C3-EC59-3FC0-EE59F566AFD2}"/>
+                <a16:creationId xmlns:a16="http://schemas.microsoft.com/office/drawing/2014/main" id="{8367DCBC-8C71-3430-7CE0-F0143D3DC8DD}"/>
               </a:ext>
             </a:extLst>
           </p:cNvPr>
@@ -9229,301 +10230,163 @@
           <a:p>
             <a:r>
               <a:rPr lang="en-AU" dirty="0"/>
-              <a:t>DEMO PROCESS – USERS – FUND MANAGEMENT</a:t>
+              <a:t>FILE STRUCTURE AND DEPLOYMENT</a:t>
             </a:r>
           </a:p>
         </p:txBody>
       </p:sp>
       <p:sp>
         <p:nvSpPr>
-          <p:cNvPr id="3" name="Rectangle 2">
+          <p:cNvPr id="3" name="Text Placeholder 2">
             <a:extLst>
               <a:ext uri="{FF2B5EF4-FFF2-40B4-BE49-F238E27FC236}">
-                <a16:creationId xmlns:a16="http://schemas.microsoft.com/office/drawing/2014/main" id="{54F5BB6F-ADBE-FC78-E74F-28F1141A096B}"/>
+                <a16:creationId xmlns:a16="http://schemas.microsoft.com/office/drawing/2014/main" id="{9AB5D929-A13C-EE3B-724E-364671A276B2}"/>
               </a:ext>
             </a:extLst>
           </p:cNvPr>
-          <p:cNvSpPr/>
-          <p:nvPr/>
+          <p:cNvSpPr>
+            <a:spLocks noGrp="1"/>
+          </p:cNvSpPr>
+          <p:nvPr>
+            <p:ph type="body" idx="1"/>
+          </p:nvPr>
         </p:nvSpPr>
-        <p:spPr>
-          <a:xfrm>
-            <a:off x="855133" y="2245783"/>
-            <a:ext cx="2040467" cy="651934"/>
-          </a:xfrm>
-          <a:prstGeom prst="rect">
-            <a:avLst/>
-          </a:prstGeom>
-        </p:spPr>
-        <p:style>
-          <a:lnRef idx="2">
-            <a:schemeClr val="accent1">
-              <a:shade val="50000"/>
-            </a:schemeClr>
-          </a:lnRef>
-          <a:fillRef idx="1">
-            <a:schemeClr val="accent1"/>
-          </a:fillRef>
-          <a:effectRef idx="0">
-            <a:schemeClr val="accent1"/>
-          </a:effectRef>
-          <a:fontRef idx="minor">
-            <a:schemeClr val="lt1"/>
-          </a:fontRef>
-        </p:style>
+        <p:spPr/>
         <p:txBody>
-          <a:bodyPr rtlCol="0" anchor="ctr"/>
+          <a:bodyPr>
+            <a:normAutofit fontScale="92500" lnSpcReduction="10000"/>
+          </a:bodyPr>
           <a:lstStyle/>
           <a:p>
-            <a:pPr algn="ctr"/>
+            <a:pPr marL="146050" indent="0">
+              <a:buNone/>
+            </a:pPr>
+            <a:r>
+              <a:rPr lang="en-AU" b="1" dirty="0"/>
+              <a:t>Files</a:t>
+            </a:r>
+          </a:p>
+          <a:p>
             <a:r>
               <a:rPr lang="en-AU" dirty="0"/>
-              <a:t>Deposit Ether to the DEX</a:t>
+              <a:t>Back End:  .env File/.sol File/.</a:t>
             </a:r>
-          </a:p>
-        </p:txBody>
-      </p:sp>
-      <p:sp>
-        <p:nvSpPr>
-          <p:cNvPr id="4" name="Rectangle 3">
-            <a:extLst>
-              <a:ext uri="{FF2B5EF4-FFF2-40B4-BE49-F238E27FC236}">
-                <a16:creationId xmlns:a16="http://schemas.microsoft.com/office/drawing/2014/main" id="{3BB2A61D-065A-9E48-CFAA-B37EB9C22BDA}"/>
-              </a:ext>
-            </a:extLst>
-          </p:cNvPr>
-          <p:cNvSpPr/>
-          <p:nvPr/>
-        </p:nvSpPr>
-        <p:spPr>
-          <a:xfrm>
-            <a:off x="3217333" y="2245783"/>
-            <a:ext cx="2040467" cy="651934"/>
-          </a:xfrm>
-          <a:prstGeom prst="rect">
-            <a:avLst/>
-          </a:prstGeom>
-        </p:spPr>
-        <p:style>
-          <a:lnRef idx="2">
-            <a:schemeClr val="accent1">
-              <a:shade val="50000"/>
-            </a:schemeClr>
-          </a:lnRef>
-          <a:fillRef idx="1">
-            <a:schemeClr val="accent1"/>
-          </a:fillRef>
-          <a:effectRef idx="0">
-            <a:schemeClr val="accent1"/>
-          </a:effectRef>
-          <a:fontRef idx="minor">
-            <a:schemeClr val="lt1"/>
-          </a:fontRef>
-        </p:style>
-        <p:txBody>
-          <a:bodyPr rtlCol="0" anchor="ctr"/>
-          <a:lstStyle/>
-          <a:p>
-            <a:pPr algn="ctr"/>
+            <a:r>
+              <a:rPr lang="en-AU" dirty="0" err="1"/>
+              <a:t>json</a:t>
+            </a:r>
             <a:r>
               <a:rPr lang="en-AU" dirty="0"/>
-              <a:t>Withdraw Ether to the DEX</a:t>
+              <a:t> File</a:t>
             </a:r>
           </a:p>
-        </p:txBody>
-      </p:sp>
-      <p:sp>
-        <p:nvSpPr>
-          <p:cNvPr id="5" name="Rectangle 4">
-            <a:extLst>
-              <a:ext uri="{FF2B5EF4-FFF2-40B4-BE49-F238E27FC236}">
-                <a16:creationId xmlns:a16="http://schemas.microsoft.com/office/drawing/2014/main" id="{A502616D-C338-8391-48B4-255537A6C719}"/>
-              </a:ext>
-            </a:extLst>
-          </p:cNvPr>
-          <p:cNvSpPr/>
-          <p:nvPr/>
-        </p:nvSpPr>
-        <p:spPr>
-          <a:xfrm>
-            <a:off x="5774266" y="2245783"/>
-            <a:ext cx="2040467" cy="651934"/>
-          </a:xfrm>
-          <a:prstGeom prst="rect">
-            <a:avLst/>
-          </a:prstGeom>
-        </p:spPr>
-        <p:style>
-          <a:lnRef idx="2">
-            <a:schemeClr val="accent1">
-              <a:shade val="50000"/>
-            </a:schemeClr>
-          </a:lnRef>
-          <a:fillRef idx="1">
-            <a:schemeClr val="accent1"/>
-          </a:fillRef>
-          <a:effectRef idx="0">
-            <a:schemeClr val="accent1"/>
-          </a:effectRef>
-          <a:fontRef idx="minor">
-            <a:schemeClr val="lt1"/>
-          </a:fontRef>
-        </p:style>
-        <p:txBody>
-          <a:bodyPr rtlCol="0" anchor="ctr"/>
-          <a:lstStyle/>
-          <a:p>
-            <a:pPr algn="ctr"/>
+          <a:p>
             <a:r>
               <a:rPr lang="en-AU" dirty="0"/>
-              <a:t>Check Ether balance</a:t>
+              <a:t>Front End: app.py </a:t>
             </a:r>
           </a:p>
-        </p:txBody>
-      </p:sp>
-      <p:sp>
-        <p:nvSpPr>
-          <p:cNvPr id="6" name="Rectangle 5">
-            <a:extLst>
-              <a:ext uri="{FF2B5EF4-FFF2-40B4-BE49-F238E27FC236}">
-                <a16:creationId xmlns:a16="http://schemas.microsoft.com/office/drawing/2014/main" id="{47043A3E-9A5E-4B3F-D355-10496308EB94}"/>
-              </a:ext>
-            </a:extLst>
-          </p:cNvPr>
-          <p:cNvSpPr/>
-          <p:nvPr/>
-        </p:nvSpPr>
-        <p:spPr>
-          <a:xfrm>
-            <a:off x="855133" y="3289650"/>
-            <a:ext cx="2040467" cy="651934"/>
-          </a:xfrm>
-          <a:prstGeom prst="rect">
-            <a:avLst/>
-          </a:prstGeom>
-        </p:spPr>
-        <p:style>
-          <a:lnRef idx="2">
-            <a:schemeClr val="accent1">
-              <a:shade val="50000"/>
-            </a:schemeClr>
-          </a:lnRef>
-          <a:fillRef idx="1">
-            <a:schemeClr val="accent1"/>
-          </a:fillRef>
-          <a:effectRef idx="0">
-            <a:schemeClr val="accent1"/>
-          </a:effectRef>
-          <a:fontRef idx="minor">
-            <a:schemeClr val="lt1"/>
-          </a:fontRef>
-        </p:style>
-        <p:txBody>
-          <a:bodyPr rtlCol="0" anchor="ctr"/>
-          <a:lstStyle/>
-          <a:p>
-            <a:pPr algn="ctr"/>
+          <a:p>
             <a:r>
               <a:rPr lang="en-AU" dirty="0"/>
-              <a:t>Deposit Token to the DEX</a:t>
+              <a:t>Readme &amp; PPT</a:t>
             </a:r>
           </a:p>
-        </p:txBody>
-      </p:sp>
-      <p:sp>
-        <p:nvSpPr>
-          <p:cNvPr id="7" name="Rectangle 6">
-            <a:extLst>
-              <a:ext uri="{FF2B5EF4-FFF2-40B4-BE49-F238E27FC236}">
-                <a16:creationId xmlns:a16="http://schemas.microsoft.com/office/drawing/2014/main" id="{471BD6D7-9379-E2F9-F14F-FE5241B77948}"/>
-              </a:ext>
-            </a:extLst>
-          </p:cNvPr>
-          <p:cNvSpPr/>
-          <p:nvPr/>
-        </p:nvSpPr>
-        <p:spPr>
-          <a:xfrm>
-            <a:off x="3217333" y="3289650"/>
-            <a:ext cx="2040467" cy="651934"/>
-          </a:xfrm>
-          <a:prstGeom prst="rect">
-            <a:avLst/>
-          </a:prstGeom>
-        </p:spPr>
-        <p:style>
-          <a:lnRef idx="2">
-            <a:schemeClr val="accent1">
-              <a:shade val="50000"/>
-            </a:schemeClr>
-          </a:lnRef>
-          <a:fillRef idx="1">
-            <a:schemeClr val="accent1"/>
-          </a:fillRef>
-          <a:effectRef idx="0">
-            <a:schemeClr val="accent1"/>
-          </a:effectRef>
-          <a:fontRef idx="minor">
-            <a:schemeClr val="lt1"/>
-          </a:fontRef>
-        </p:style>
-        <p:txBody>
-          <a:bodyPr rtlCol="0" anchor="ctr"/>
-          <a:lstStyle/>
-          <a:p>
-            <a:pPr algn="ctr"/>
+          <a:p>
+            <a:endParaRPr lang="en-AU" dirty="0"/>
+          </a:p>
+          <a:p>
+            <a:pPr marL="146050" indent="0">
+              <a:buNone/>
+            </a:pPr>
+            <a:r>
+              <a:rPr lang="en-AU" b="1" dirty="0"/>
+              <a:t>Deployment and Execution</a:t>
+            </a:r>
+          </a:p>
+          <a:p>
+            <a:pPr marL="488950" indent="-342900">
+              <a:buFont typeface="+mj-lt"/>
+              <a:buAutoNum type="arabicPeriod"/>
+            </a:pPr>
             <a:r>
               <a:rPr lang="en-AU" dirty="0"/>
-              <a:t>Withdraw Token to the DEX</a:t>
+              <a:t>Compile </a:t>
             </a:r>
-          </a:p>
-        </p:txBody>
-      </p:sp>
-      <p:sp>
-        <p:nvSpPr>
-          <p:cNvPr id="8" name="Rectangle 7">
-            <a:extLst>
-              <a:ext uri="{FF2B5EF4-FFF2-40B4-BE49-F238E27FC236}">
-                <a16:creationId xmlns:a16="http://schemas.microsoft.com/office/drawing/2014/main" id="{E66936E8-6F22-D2D7-FAB5-AE9FDCBB7222}"/>
-              </a:ext>
-            </a:extLst>
-          </p:cNvPr>
-          <p:cNvSpPr/>
-          <p:nvPr/>
-        </p:nvSpPr>
-        <p:spPr>
-          <a:xfrm>
-            <a:off x="5774266" y="3289650"/>
-            <a:ext cx="2040467" cy="651934"/>
-          </a:xfrm>
-          <a:prstGeom prst="rect">
-            <a:avLst/>
-          </a:prstGeom>
-        </p:spPr>
-        <p:style>
-          <a:lnRef idx="2">
-            <a:schemeClr val="accent1">
-              <a:shade val="50000"/>
-            </a:schemeClr>
-          </a:lnRef>
-          <a:fillRef idx="1">
-            <a:schemeClr val="accent1"/>
-          </a:fillRef>
-          <a:effectRef idx="0">
-            <a:schemeClr val="accent1"/>
-          </a:effectRef>
-          <a:fontRef idx="minor">
-            <a:schemeClr val="lt1"/>
-          </a:fontRef>
-        </p:style>
-        <p:txBody>
-          <a:bodyPr rtlCol="0" anchor="ctr"/>
-          <a:lstStyle/>
-          <a:p>
-            <a:pPr algn="ctr"/>
+            <a:r>
+              <a:rPr lang="en-AU" dirty="0" err="1"/>
+              <a:t>Exchange.sol</a:t>
+            </a:r>
             <a:r>
               <a:rPr lang="en-AU" dirty="0"/>
-              <a:t>Check Token balance</a:t>
+              <a:t>, </a:t>
+            </a:r>
+            <a:r>
+              <a:rPr lang="en-AU" dirty="0" err="1"/>
+              <a:t>FixedSupplyToken.sol</a:t>
+            </a:r>
+            <a:endParaRPr lang="en-AU" dirty="0"/>
+          </a:p>
+          <a:p>
+            <a:pPr marL="488950" indent="-342900">
+              <a:buFont typeface="+mj-lt"/>
+              <a:buAutoNum type="arabicPeriod"/>
+            </a:pPr>
+            <a:r>
+              <a:rPr lang="en-AU" dirty="0"/>
+              <a:t>Copy ABI to ‘./compiled/</a:t>
+            </a:r>
+            <a:r>
+              <a:rPr lang="en-AU" dirty="0" err="1"/>
+              <a:t>Exchange_abi.json</a:t>
+            </a:r>
+            <a:r>
+              <a:rPr lang="en-AU" dirty="0"/>
+              <a:t>’ and ‘./compiled/</a:t>
+            </a:r>
+            <a:r>
+              <a:rPr lang="en-AU" dirty="0" err="1"/>
+              <a:t>FixedSupplyToken_abi.json</a:t>
+            </a:r>
+            <a:r>
+              <a:rPr lang="en-AU" dirty="0"/>
+              <a:t>’ </a:t>
+            </a:r>
+          </a:p>
+          <a:p>
+            <a:pPr marL="488950" indent="-342900">
+              <a:buFont typeface="+mj-lt"/>
+              <a:buAutoNum type="arabicPeriod"/>
+            </a:pPr>
+            <a:r>
+              <a:rPr lang="en-AU" dirty="0"/>
+              <a:t>Deploy Smart Contracts: Exchange and </a:t>
+            </a:r>
+            <a:r>
+              <a:rPr lang="en-AU" dirty="0" err="1"/>
+              <a:t>FixedSupplyToken</a:t>
+            </a:r>
+            <a:r>
+              <a:rPr lang="en-AU" dirty="0"/>
+              <a:t> </a:t>
+            </a:r>
+          </a:p>
+          <a:p>
+            <a:pPr marL="488950" indent="-342900">
+              <a:buFont typeface="+mj-lt"/>
+              <a:buAutoNum type="arabicPeriod"/>
+            </a:pPr>
+            <a:r>
+              <a:rPr lang="en-AU" dirty="0"/>
+              <a:t>Run app.py: </a:t>
+            </a:r>
+            <a:r>
+              <a:rPr lang="en-AU" dirty="0" err="1"/>
+              <a:t>streamlit</a:t>
+            </a:r>
+            <a:r>
+              <a:rPr lang="en-AU" dirty="0"/>
+              <a:t> run app.py</a:t>
             </a:r>
           </a:p>
         </p:txBody>
@@ -9531,7 +10394,7 @@
     </p:spTree>
     <p:extLst>
       <p:ext uri="{BB962C8B-B14F-4D97-AF65-F5344CB8AC3E}">
-        <p14:creationId xmlns:p14="http://schemas.microsoft.com/office/powerpoint/2010/main" val="1437565201"/>
+        <p14:creationId xmlns:p14="http://schemas.microsoft.com/office/powerpoint/2010/main" val="341054582"/>
       </p:ext>
     </p:extLst>
   </p:cSld>
@@ -9563,7 +10426,7 @@
           <p:cNvPr id="2" name="Title 1">
             <a:extLst>
               <a:ext uri="{FF2B5EF4-FFF2-40B4-BE49-F238E27FC236}">
-                <a16:creationId xmlns:a16="http://schemas.microsoft.com/office/drawing/2014/main" id="{2F9E81C8-76C3-EC59-3FC0-EE59F566AFD2}"/>
+                <a16:creationId xmlns:a16="http://schemas.microsoft.com/office/drawing/2014/main" id="{C4284F52-3E3B-8B38-E836-7833C67046B2}"/>
               </a:ext>
             </a:extLst>
           </p:cNvPr>
@@ -9583,162 +10446,47 @@
           <a:p>
             <a:r>
               <a:rPr lang="en-AU" dirty="0"/>
-              <a:t>DEMO PROCESS – USERS – TOKEN TRADING</a:t>
+              <a:t>Solidity Code Improvements</a:t>
             </a:r>
           </a:p>
         </p:txBody>
       </p:sp>
       <p:sp>
         <p:nvSpPr>
-          <p:cNvPr id="3" name="Rectangle 2">
+          <p:cNvPr id="3" name="Text Placeholder 2">
             <a:extLst>
               <a:ext uri="{FF2B5EF4-FFF2-40B4-BE49-F238E27FC236}">
-                <a16:creationId xmlns:a16="http://schemas.microsoft.com/office/drawing/2014/main" id="{54F5BB6F-ADBE-FC78-E74F-28F1141A096B}"/>
+                <a16:creationId xmlns:a16="http://schemas.microsoft.com/office/drawing/2014/main" id="{2EC3B14D-B629-3F04-D9AD-2E12E8B86572}"/>
               </a:ext>
             </a:extLst>
           </p:cNvPr>
-          <p:cNvSpPr/>
-          <p:nvPr/>
+          <p:cNvSpPr>
+            <a:spLocks noGrp="1"/>
+          </p:cNvSpPr>
+          <p:nvPr>
+            <p:ph type="body" idx="1"/>
+          </p:nvPr>
         </p:nvSpPr>
-        <p:spPr>
-          <a:xfrm>
-            <a:off x="1524000" y="2317750"/>
-            <a:ext cx="2040467" cy="869950"/>
-          </a:xfrm>
-          <a:prstGeom prst="rect">
-            <a:avLst/>
-          </a:prstGeom>
-        </p:spPr>
-        <p:style>
-          <a:lnRef idx="2">
-            <a:schemeClr val="accent1">
-              <a:shade val="50000"/>
-            </a:schemeClr>
-          </a:lnRef>
-          <a:fillRef idx="1">
-            <a:schemeClr val="accent1"/>
-          </a:fillRef>
-          <a:effectRef idx="0">
-            <a:schemeClr val="accent1"/>
-          </a:effectRef>
-          <a:fontRef idx="minor">
-            <a:schemeClr val="lt1"/>
-          </a:fontRef>
-        </p:style>
+        <p:spPr/>
         <p:txBody>
-          <a:bodyPr rtlCol="0" anchor="ctr"/>
+          <a:bodyPr/>
           <a:lstStyle/>
           <a:p>
-            <a:pPr algn="ctr"/>
             <a:r>
               <a:rPr lang="en-AU" dirty="0"/>
-              <a:t>Buy Tokens</a:t>
+              <a:t>Removed deprecated code</a:t>
             </a:r>
           </a:p>
-        </p:txBody>
-      </p:sp>
-      <p:sp>
-        <p:nvSpPr>
-          <p:cNvPr id="4" name="Rectangle 3">
-            <a:extLst>
-              <a:ext uri="{FF2B5EF4-FFF2-40B4-BE49-F238E27FC236}">
-                <a16:creationId xmlns:a16="http://schemas.microsoft.com/office/drawing/2014/main" id="{3BB2A61D-065A-9E48-CFAA-B37EB9C22BDA}"/>
-              </a:ext>
-            </a:extLst>
-          </p:cNvPr>
-          <p:cNvSpPr/>
-          <p:nvPr/>
-        </p:nvSpPr>
-        <p:spPr>
-          <a:xfrm>
-            <a:off x="3886200" y="2317750"/>
-            <a:ext cx="2040467" cy="869950"/>
-          </a:xfrm>
-          <a:prstGeom prst="rect">
-            <a:avLst/>
-          </a:prstGeom>
-        </p:spPr>
-        <p:style>
-          <a:lnRef idx="2">
-            <a:schemeClr val="accent1">
-              <a:shade val="50000"/>
-            </a:schemeClr>
-          </a:lnRef>
-          <a:fillRef idx="1">
-            <a:schemeClr val="accent1"/>
-          </a:fillRef>
-          <a:effectRef idx="0">
-            <a:schemeClr val="accent1"/>
-          </a:effectRef>
-          <a:fontRef idx="minor">
-            <a:schemeClr val="lt1"/>
-          </a:fontRef>
-        </p:style>
-        <p:txBody>
-          <a:bodyPr rtlCol="0" anchor="ctr"/>
-          <a:lstStyle/>
-          <a:p>
-            <a:pPr algn="ctr"/>
+          <a:p>
             <a:r>
               <a:rPr lang="en-AU" dirty="0"/>
-              <a:t>Sell Tokens</a:t>
+              <a:t>Cleaned up function declarations</a:t>
             </a:r>
           </a:p>
-        </p:txBody>
-      </p:sp>
-      <p:sp>
-        <p:nvSpPr>
-          <p:cNvPr id="6" name="Rectangle 5">
-            <a:extLst>
-              <a:ext uri="{FF2B5EF4-FFF2-40B4-BE49-F238E27FC236}">
-                <a16:creationId xmlns:a16="http://schemas.microsoft.com/office/drawing/2014/main" id="{47043A3E-9A5E-4B3F-D355-10496308EB94}"/>
-              </a:ext>
-            </a:extLst>
-          </p:cNvPr>
-          <p:cNvSpPr/>
-          <p:nvPr/>
-        </p:nvSpPr>
-        <p:spPr>
-          <a:xfrm>
-            <a:off x="1524000" y="3378200"/>
-            <a:ext cx="4402667" cy="836084"/>
-          </a:xfrm>
-          <a:prstGeom prst="rect">
-            <a:avLst/>
-          </a:prstGeom>
-        </p:spPr>
-        <p:style>
-          <a:lnRef idx="2">
-            <a:schemeClr val="accent1">
-              <a:shade val="50000"/>
-            </a:schemeClr>
-          </a:lnRef>
-          <a:fillRef idx="1">
-            <a:schemeClr val="accent1"/>
-          </a:fillRef>
-          <a:effectRef idx="0">
-            <a:schemeClr val="accent1"/>
-          </a:effectRef>
-          <a:fontRef idx="minor">
-            <a:schemeClr val="lt1"/>
-          </a:fontRef>
-        </p:style>
-        <p:txBody>
-          <a:bodyPr rtlCol="0" anchor="ctr"/>
-          <a:lstStyle/>
-          <a:p>
-            <a:pPr algn="ctr"/>
+          <a:p>
             <a:r>
               <a:rPr lang="en-AU" dirty="0"/>
-              <a:t>Check Order Books (Buy Book and Sell </a:t>
-            </a:r>
-            <a:r>
-              <a:rPr lang="en-AU" dirty="0" err="1"/>
-              <a:t>Bood</a:t>
-            </a:r>
-            <a:r>
-              <a:rPr lang="en-AU" dirty="0"/>
-              <a:t>)</a:t>
+              <a:t>Improved code security</a:t>
             </a:r>
           </a:p>
         </p:txBody>
@@ -9746,7 +10494,7 @@
     </p:spTree>
     <p:extLst>
       <p:ext uri="{BB962C8B-B14F-4D97-AF65-F5344CB8AC3E}">
-        <p14:creationId xmlns:p14="http://schemas.microsoft.com/office/powerpoint/2010/main" val="781856211"/>
+        <p14:creationId xmlns:p14="http://schemas.microsoft.com/office/powerpoint/2010/main" val="2109918284"/>
       </p:ext>
     </p:extLst>
   </p:cSld>
